--- a/網頁.pptx
+++ b/網頁.pptx
@@ -4,8 +4,11 @@
   <p:sldMasterIdLst>
     <p:sldMasterId id="2147483648" r:id="rId1"/>
   </p:sldMasterIdLst>
+  <p:notesMasterIdLst>
+    <p:notesMasterId r:id="rId10"/>
+  </p:notesMasterIdLst>
   <p:sldIdLst>
-    <p:sldId id="256" r:id="rId2"/>
+    <p:sldId id="264" r:id="rId2"/>
     <p:sldId id="257" r:id="rId3"/>
     <p:sldId id="258" r:id="rId4"/>
     <p:sldId id="260" r:id="rId5"/>
@@ -128,6 +131,355 @@
     </p:ext>
   </p:extLst>
 </p:presentation>
+</file>
+
+<file path=ppt/notesMasters/notesMaster1.xml><?xml version="1.0" encoding="utf-8"?>
+<p:notesMaster xmlns:a="http://schemas.openxmlformats.org/drawingml/2006/main" xmlns:r="http://schemas.openxmlformats.org/officeDocument/2006/relationships" xmlns:p="http://schemas.openxmlformats.org/presentationml/2006/main">
+  <p:cSld>
+    <p:bg>
+      <p:bgRef idx="1001">
+        <a:schemeClr val="bg1"/>
+      </p:bgRef>
+    </p:bg>
+    <p:spTree>
+      <p:nvGrpSpPr>
+        <p:cNvPr id="1" name=""/>
+        <p:cNvGrpSpPr/>
+        <p:nvPr/>
+      </p:nvGrpSpPr>
+      <p:grpSpPr>
+        <a:xfrm>
+          <a:off x="0" y="0"/>
+          <a:ext cx="0" cy="0"/>
+          <a:chOff x="0" y="0"/>
+          <a:chExt cx="0" cy="0"/>
+        </a:xfrm>
+      </p:grpSpPr>
+      <p:sp>
+        <p:nvSpPr>
+          <p:cNvPr id="2" name="頁首版面配置區 1"/>
+          <p:cNvSpPr>
+            <a:spLocks noGrp="1"/>
+          </p:cNvSpPr>
+          <p:nvPr>
+            <p:ph type="hdr" sz="quarter"/>
+          </p:nvPr>
+        </p:nvSpPr>
+        <p:spPr>
+          <a:xfrm>
+            <a:off x="0" y="0"/>
+            <a:ext cx="2971800" cy="458788"/>
+          </a:xfrm>
+          <a:prstGeom prst="rect">
+            <a:avLst/>
+          </a:prstGeom>
+        </p:spPr>
+        <p:txBody>
+          <a:bodyPr vert="horz" lIns="91440" tIns="45720" rIns="91440" bIns="45720" rtlCol="0"/>
+          <a:lstStyle>
+            <a:lvl1pPr algn="l">
+              <a:defRPr sz="1200"/>
+            </a:lvl1pPr>
+          </a:lstStyle>
+          <a:p>
+            <a:endParaRPr lang="zh-TW" altLang="en-US"/>
+          </a:p>
+        </p:txBody>
+      </p:sp>
+      <p:sp>
+        <p:nvSpPr>
+          <p:cNvPr id="3" name="日期版面配置區 2"/>
+          <p:cNvSpPr>
+            <a:spLocks noGrp="1"/>
+          </p:cNvSpPr>
+          <p:nvPr>
+            <p:ph type="dt" idx="1"/>
+          </p:nvPr>
+        </p:nvSpPr>
+        <p:spPr>
+          <a:xfrm>
+            <a:off x="3884613" y="0"/>
+            <a:ext cx="2971800" cy="458788"/>
+          </a:xfrm>
+          <a:prstGeom prst="rect">
+            <a:avLst/>
+          </a:prstGeom>
+        </p:spPr>
+        <p:txBody>
+          <a:bodyPr vert="horz" lIns="91440" tIns="45720" rIns="91440" bIns="45720" rtlCol="0"/>
+          <a:lstStyle>
+            <a:lvl1pPr algn="r">
+              <a:defRPr sz="1200"/>
+            </a:lvl1pPr>
+          </a:lstStyle>
+          <a:p>
+            <a:fld id="{B5BFDD9C-4D42-4522-84FA-8DE0266642E1}" type="datetimeFigureOut">
+              <a:rPr lang="zh-TW" altLang="en-US" smtClean="0"/>
+              <a:t>2022/8/3</a:t>
+            </a:fld>
+            <a:endParaRPr lang="zh-TW" altLang="en-US"/>
+          </a:p>
+        </p:txBody>
+      </p:sp>
+      <p:sp>
+        <p:nvSpPr>
+          <p:cNvPr id="4" name="投影片影像版面配置區 3"/>
+          <p:cNvSpPr>
+            <a:spLocks noGrp="1" noRot="1" noChangeAspect="1"/>
+          </p:cNvSpPr>
+          <p:nvPr>
+            <p:ph type="sldImg" idx="2"/>
+          </p:nvPr>
+        </p:nvSpPr>
+        <p:spPr>
+          <a:xfrm>
+            <a:off x="685800" y="1143000"/>
+            <a:ext cx="5486400" cy="3086100"/>
+          </a:xfrm>
+          <a:prstGeom prst="rect">
+            <a:avLst/>
+          </a:prstGeom>
+          <a:noFill/>
+          <a:ln w="12700">
+            <a:solidFill>
+              <a:prstClr val="black"/>
+            </a:solidFill>
+          </a:ln>
+        </p:spPr>
+        <p:txBody>
+          <a:bodyPr vert="horz" lIns="91440" tIns="45720" rIns="91440" bIns="45720" rtlCol="0" anchor="ctr"/>
+          <a:lstStyle/>
+          <a:p>
+            <a:endParaRPr lang="zh-TW" altLang="en-US"/>
+          </a:p>
+        </p:txBody>
+      </p:sp>
+      <p:sp>
+        <p:nvSpPr>
+          <p:cNvPr id="5" name="備忘稿版面配置區 4"/>
+          <p:cNvSpPr>
+            <a:spLocks noGrp="1"/>
+          </p:cNvSpPr>
+          <p:nvPr>
+            <p:ph type="body" sz="quarter" idx="3"/>
+          </p:nvPr>
+        </p:nvSpPr>
+        <p:spPr>
+          <a:xfrm>
+            <a:off x="685800" y="4400550"/>
+            <a:ext cx="5486400" cy="3600450"/>
+          </a:xfrm>
+          <a:prstGeom prst="rect">
+            <a:avLst/>
+          </a:prstGeom>
+        </p:spPr>
+        <p:txBody>
+          <a:bodyPr vert="horz" lIns="91440" tIns="45720" rIns="91440" bIns="45720" rtlCol="0"/>
+          <a:lstStyle/>
+          <a:p>
+            <a:pPr lvl="0"/>
+            <a:r>
+              <a:rPr lang="zh-TW" altLang="en-US"/>
+              <a:t>按一下以編輯母片文字樣式</a:t>
+            </a:r>
+          </a:p>
+          <a:p>
+            <a:pPr lvl="1"/>
+            <a:r>
+              <a:rPr lang="zh-TW" altLang="en-US"/>
+              <a:t>第二層</a:t>
+            </a:r>
+          </a:p>
+          <a:p>
+            <a:pPr lvl="2"/>
+            <a:r>
+              <a:rPr lang="zh-TW" altLang="en-US"/>
+              <a:t>第三層</a:t>
+            </a:r>
+          </a:p>
+          <a:p>
+            <a:pPr lvl="3"/>
+            <a:r>
+              <a:rPr lang="zh-TW" altLang="en-US"/>
+              <a:t>第四層</a:t>
+            </a:r>
+          </a:p>
+          <a:p>
+            <a:pPr lvl="4"/>
+            <a:r>
+              <a:rPr lang="zh-TW" altLang="en-US"/>
+              <a:t>第五層</a:t>
+            </a:r>
+          </a:p>
+        </p:txBody>
+      </p:sp>
+      <p:sp>
+        <p:nvSpPr>
+          <p:cNvPr id="6" name="頁尾版面配置區 5"/>
+          <p:cNvSpPr>
+            <a:spLocks noGrp="1"/>
+          </p:cNvSpPr>
+          <p:nvPr>
+            <p:ph type="ftr" sz="quarter" idx="4"/>
+          </p:nvPr>
+        </p:nvSpPr>
+        <p:spPr>
+          <a:xfrm>
+            <a:off x="0" y="8685213"/>
+            <a:ext cx="2971800" cy="458787"/>
+          </a:xfrm>
+          <a:prstGeom prst="rect">
+            <a:avLst/>
+          </a:prstGeom>
+        </p:spPr>
+        <p:txBody>
+          <a:bodyPr vert="horz" lIns="91440" tIns="45720" rIns="91440" bIns="45720" rtlCol="0" anchor="b"/>
+          <a:lstStyle>
+            <a:lvl1pPr algn="l">
+              <a:defRPr sz="1200"/>
+            </a:lvl1pPr>
+          </a:lstStyle>
+          <a:p>
+            <a:endParaRPr lang="zh-TW" altLang="en-US"/>
+          </a:p>
+        </p:txBody>
+      </p:sp>
+      <p:sp>
+        <p:nvSpPr>
+          <p:cNvPr id="7" name="投影片編號版面配置區 6"/>
+          <p:cNvSpPr>
+            <a:spLocks noGrp="1"/>
+          </p:cNvSpPr>
+          <p:nvPr>
+            <p:ph type="sldNum" sz="quarter" idx="5"/>
+          </p:nvPr>
+        </p:nvSpPr>
+        <p:spPr>
+          <a:xfrm>
+            <a:off x="3884613" y="8685213"/>
+            <a:ext cx="2971800" cy="458787"/>
+          </a:xfrm>
+          <a:prstGeom prst="rect">
+            <a:avLst/>
+          </a:prstGeom>
+        </p:spPr>
+        <p:txBody>
+          <a:bodyPr vert="horz" lIns="91440" tIns="45720" rIns="91440" bIns="45720" rtlCol="0" anchor="b"/>
+          <a:lstStyle>
+            <a:lvl1pPr algn="r">
+              <a:defRPr sz="1200"/>
+            </a:lvl1pPr>
+          </a:lstStyle>
+          <a:p>
+            <a:fld id="{20ED6041-ABBB-4ADF-A528-28AB52A7A8D0}" type="slidenum">
+              <a:rPr lang="zh-TW" altLang="en-US" smtClean="0"/>
+              <a:t>‹#›</a:t>
+            </a:fld>
+            <a:endParaRPr lang="zh-TW" altLang="en-US"/>
+          </a:p>
+        </p:txBody>
+      </p:sp>
+    </p:spTree>
+    <p:extLst>
+      <p:ext uri="{BB962C8B-B14F-4D97-AF65-F5344CB8AC3E}">
+        <p14:creationId xmlns:p14="http://schemas.microsoft.com/office/powerpoint/2010/main" val="3647551273"/>
+      </p:ext>
+    </p:extLst>
+  </p:cSld>
+  <p:clrMap bg1="lt1" tx1="dk1" bg2="lt2" tx2="dk2" accent1="accent1" accent2="accent2" accent3="accent3" accent4="accent4" accent5="accent5" accent6="accent6" hlink="hlink" folHlink="folHlink"/>
+  <p:notesStyle>
+    <a:lvl1pPr marL="0" algn="l" defTabSz="914400" rtl="0" eaLnBrk="1" latinLnBrk="0" hangingPunct="1">
+      <a:defRPr sz="1200" kern="1200">
+        <a:solidFill>
+          <a:schemeClr val="tx1"/>
+        </a:solidFill>
+        <a:latin typeface="+mn-lt"/>
+        <a:ea typeface="+mn-ea"/>
+        <a:cs typeface="+mn-cs"/>
+      </a:defRPr>
+    </a:lvl1pPr>
+    <a:lvl2pPr marL="457200" algn="l" defTabSz="914400" rtl="0" eaLnBrk="1" latinLnBrk="0" hangingPunct="1">
+      <a:defRPr sz="1200" kern="1200">
+        <a:solidFill>
+          <a:schemeClr val="tx1"/>
+        </a:solidFill>
+        <a:latin typeface="+mn-lt"/>
+        <a:ea typeface="+mn-ea"/>
+        <a:cs typeface="+mn-cs"/>
+      </a:defRPr>
+    </a:lvl2pPr>
+    <a:lvl3pPr marL="914400" algn="l" defTabSz="914400" rtl="0" eaLnBrk="1" latinLnBrk="0" hangingPunct="1">
+      <a:defRPr sz="1200" kern="1200">
+        <a:solidFill>
+          <a:schemeClr val="tx1"/>
+        </a:solidFill>
+        <a:latin typeface="+mn-lt"/>
+        <a:ea typeface="+mn-ea"/>
+        <a:cs typeface="+mn-cs"/>
+      </a:defRPr>
+    </a:lvl3pPr>
+    <a:lvl4pPr marL="1371600" algn="l" defTabSz="914400" rtl="0" eaLnBrk="1" latinLnBrk="0" hangingPunct="1">
+      <a:defRPr sz="1200" kern="1200">
+        <a:solidFill>
+          <a:schemeClr val="tx1"/>
+        </a:solidFill>
+        <a:latin typeface="+mn-lt"/>
+        <a:ea typeface="+mn-ea"/>
+        <a:cs typeface="+mn-cs"/>
+      </a:defRPr>
+    </a:lvl4pPr>
+    <a:lvl5pPr marL="1828800" algn="l" defTabSz="914400" rtl="0" eaLnBrk="1" latinLnBrk="0" hangingPunct="1">
+      <a:defRPr sz="1200" kern="1200">
+        <a:solidFill>
+          <a:schemeClr val="tx1"/>
+        </a:solidFill>
+        <a:latin typeface="+mn-lt"/>
+        <a:ea typeface="+mn-ea"/>
+        <a:cs typeface="+mn-cs"/>
+      </a:defRPr>
+    </a:lvl5pPr>
+    <a:lvl6pPr marL="2286000" algn="l" defTabSz="914400" rtl="0" eaLnBrk="1" latinLnBrk="0" hangingPunct="1">
+      <a:defRPr sz="1200" kern="1200">
+        <a:solidFill>
+          <a:schemeClr val="tx1"/>
+        </a:solidFill>
+        <a:latin typeface="+mn-lt"/>
+        <a:ea typeface="+mn-ea"/>
+        <a:cs typeface="+mn-cs"/>
+      </a:defRPr>
+    </a:lvl6pPr>
+    <a:lvl7pPr marL="2743200" algn="l" defTabSz="914400" rtl="0" eaLnBrk="1" latinLnBrk="0" hangingPunct="1">
+      <a:defRPr sz="1200" kern="1200">
+        <a:solidFill>
+          <a:schemeClr val="tx1"/>
+        </a:solidFill>
+        <a:latin typeface="+mn-lt"/>
+        <a:ea typeface="+mn-ea"/>
+        <a:cs typeface="+mn-cs"/>
+      </a:defRPr>
+    </a:lvl7pPr>
+    <a:lvl8pPr marL="3200400" algn="l" defTabSz="914400" rtl="0" eaLnBrk="1" latinLnBrk="0" hangingPunct="1">
+      <a:defRPr sz="1200" kern="1200">
+        <a:solidFill>
+          <a:schemeClr val="tx1"/>
+        </a:solidFill>
+        <a:latin typeface="+mn-lt"/>
+        <a:ea typeface="+mn-ea"/>
+        <a:cs typeface="+mn-cs"/>
+      </a:defRPr>
+    </a:lvl8pPr>
+    <a:lvl9pPr marL="3657600" algn="l" defTabSz="914400" rtl="0" eaLnBrk="1" latinLnBrk="0" hangingPunct="1">
+      <a:defRPr sz="1200" kern="1200">
+        <a:solidFill>
+          <a:schemeClr val="tx1"/>
+        </a:solidFill>
+        <a:latin typeface="+mn-lt"/>
+        <a:ea typeface="+mn-ea"/>
+        <a:cs typeface="+mn-cs"/>
+      </a:defRPr>
+    </a:lvl9pPr>
+  </p:notesStyle>
+</p:notesMaster>
 </file>
 
 <file path=ppt/slideLayouts/slideLayout1.xml><?xml version="1.0" encoding="utf-8"?>
@@ -3349,7 +3701,7 @@
           <p:cNvPr id="2" name="標題 1">
             <a:extLst>
               <a:ext uri="{FF2B5EF4-FFF2-40B4-BE49-F238E27FC236}">
-                <a16:creationId xmlns:a16="http://schemas.microsoft.com/office/drawing/2014/main" id="{404133EC-C7D6-9830-139A-FA5A4FF15B94}"/>
+                <a16:creationId xmlns:a16="http://schemas.microsoft.com/office/drawing/2014/main" id="{10E98BE9-CD33-5712-8BD2-D2EEC2F4D7F7}"/>
               </a:ext>
             </a:extLst>
           </p:cNvPr>
@@ -3357,7 +3709,7 @@
             <a:spLocks noGrp="1"/>
           </p:cNvSpPr>
           <p:nvPr>
-            <p:ph type="ctrTitle"/>
+            <p:ph type="title"/>
           </p:nvPr>
         </p:nvSpPr>
         <p:spPr/>
@@ -3371,10 +3723,10 @@
       </p:sp>
       <p:sp>
         <p:nvSpPr>
-          <p:cNvPr id="3" name="副標題 2">
+          <p:cNvPr id="3" name="內容版面配置區 2">
             <a:extLst>
               <a:ext uri="{FF2B5EF4-FFF2-40B4-BE49-F238E27FC236}">
-                <a16:creationId xmlns:a16="http://schemas.microsoft.com/office/drawing/2014/main" id="{D9EDE358-1ACE-6906-073F-D93AF3A4FAD5}"/>
+                <a16:creationId xmlns:a16="http://schemas.microsoft.com/office/drawing/2014/main" id="{E44EDF54-CE78-ED32-EBC5-1043A9AF0596}"/>
               </a:ext>
             </a:extLst>
           </p:cNvPr>
@@ -3382,7 +3734,7 @@
             <a:spLocks noGrp="1"/>
           </p:cNvSpPr>
           <p:nvPr>
-            <p:ph type="subTitle" idx="1"/>
+            <p:ph idx="1"/>
           </p:nvPr>
         </p:nvSpPr>
         <p:spPr/>
@@ -3394,10 +3746,1073 @@
           </a:p>
         </p:txBody>
       </p:sp>
+      <p:sp>
+        <p:nvSpPr>
+          <p:cNvPr id="5" name="文字方塊 4">
+            <a:extLst>
+              <a:ext uri="{FF2B5EF4-FFF2-40B4-BE49-F238E27FC236}">
+                <a16:creationId xmlns:a16="http://schemas.microsoft.com/office/drawing/2014/main" id="{8B393054-67A8-474A-81EE-1C9CFC8DC234}"/>
+              </a:ext>
+            </a:extLst>
+          </p:cNvPr>
+          <p:cNvSpPr txBox="1"/>
+          <p:nvPr/>
+        </p:nvSpPr>
+        <p:spPr>
+          <a:xfrm>
+            <a:off x="308811" y="1825625"/>
+            <a:ext cx="11770894" cy="923330"/>
+          </a:xfrm>
+          <a:prstGeom prst="rect">
+            <a:avLst/>
+          </a:prstGeom>
+          <a:solidFill>
+            <a:schemeClr val="tx1"/>
+          </a:solidFill>
+        </p:spPr>
+        <p:txBody>
+          <a:bodyPr wrap="square">
+            <a:spAutoFit/>
+          </a:bodyPr>
+          <a:lstStyle/>
+          <a:p>
+            <a:r>
+              <a:rPr lang="en-US" altLang="zh-TW" b="0" dirty="0">
+                <a:solidFill>
+                  <a:srgbClr val="808080"/>
+                </a:solidFill>
+                <a:effectLst/>
+                <a:latin typeface="Consolas" panose="020B0609020204030204" pitchFamily="49" charset="0"/>
+              </a:rPr>
+              <a:t>&lt;</a:t>
+            </a:r>
+            <a:r>
+              <a:rPr lang="en-US" altLang="zh-TW" b="0" dirty="0">
+                <a:solidFill>
+                  <a:srgbClr val="569CD6"/>
+                </a:solidFill>
+                <a:effectLst/>
+                <a:latin typeface="Consolas" panose="020B0609020204030204" pitchFamily="49" charset="0"/>
+              </a:rPr>
+              <a:t>input</a:t>
+            </a:r>
+            <a:r>
+              <a:rPr lang="en-US" altLang="zh-TW" b="0" dirty="0">
+                <a:solidFill>
+                  <a:srgbClr val="D4D4D4"/>
+                </a:solidFill>
+                <a:effectLst/>
+                <a:latin typeface="Consolas" panose="020B0609020204030204" pitchFamily="49" charset="0"/>
+              </a:rPr>
+              <a:t> </a:t>
+            </a:r>
+            <a:r>
+              <a:rPr lang="en-US" altLang="zh-TW" b="0" dirty="0">
+                <a:solidFill>
+                  <a:srgbClr val="9CDCFE"/>
+                </a:solidFill>
+                <a:effectLst/>
+                <a:latin typeface="Consolas" panose="020B0609020204030204" pitchFamily="49" charset="0"/>
+              </a:rPr>
+              <a:t>id</a:t>
+            </a:r>
+            <a:r>
+              <a:rPr lang="en-US" altLang="zh-TW" b="0" dirty="0">
+                <a:solidFill>
+                  <a:srgbClr val="D4D4D4"/>
+                </a:solidFill>
+                <a:effectLst/>
+                <a:latin typeface="Consolas" panose="020B0609020204030204" pitchFamily="49" charset="0"/>
+              </a:rPr>
+              <a:t>=</a:t>
+            </a:r>
+            <a:r>
+              <a:rPr lang="en-US" altLang="zh-TW" b="0" dirty="0">
+                <a:solidFill>
+                  <a:srgbClr val="CE9178"/>
+                </a:solidFill>
+                <a:effectLst/>
+                <a:latin typeface="Consolas" panose="020B0609020204030204" pitchFamily="49" charset="0"/>
+              </a:rPr>
+              <a:t>"n. vmp6"</a:t>
+            </a:r>
+            <a:r>
+              <a:rPr lang="en-US" altLang="zh-TW" b="0" dirty="0">
+                <a:solidFill>
+                  <a:srgbClr val="9CDCFE"/>
+                </a:solidFill>
+                <a:effectLst/>
+                <a:latin typeface="Consolas" panose="020B0609020204030204" pitchFamily="49" charset="0"/>
+              </a:rPr>
+              <a:t>class</a:t>
+            </a:r>
+            <a:r>
+              <a:rPr lang="en-US" altLang="zh-TW" b="0" dirty="0">
+                <a:solidFill>
+                  <a:srgbClr val="D4D4D4"/>
+                </a:solidFill>
+                <a:effectLst/>
+                <a:latin typeface="Consolas" panose="020B0609020204030204" pitchFamily="49" charset="0"/>
+              </a:rPr>
+              <a:t>=</a:t>
+            </a:r>
+            <a:r>
+              <a:rPr lang="en-US" altLang="zh-TW" b="0" dirty="0">
+                <a:solidFill>
+                  <a:srgbClr val="CE9178"/>
+                </a:solidFill>
+                <a:effectLst/>
+                <a:latin typeface="Consolas" panose="020B0609020204030204" pitchFamily="49" charset="0"/>
+              </a:rPr>
+              <a:t>"form-control me-2"</a:t>
+            </a:r>
+            <a:r>
+              <a:rPr lang="en-US" altLang="zh-TW" b="0" dirty="0">
+                <a:solidFill>
+                  <a:srgbClr val="D4D4D4"/>
+                </a:solidFill>
+                <a:effectLst/>
+                <a:latin typeface="Consolas" panose="020B0609020204030204" pitchFamily="49" charset="0"/>
+              </a:rPr>
+              <a:t> </a:t>
+            </a:r>
+            <a:r>
+              <a:rPr lang="en-US" altLang="zh-TW" b="0" dirty="0">
+                <a:solidFill>
+                  <a:srgbClr val="9CDCFE"/>
+                </a:solidFill>
+                <a:effectLst/>
+                <a:latin typeface="Consolas" panose="020B0609020204030204" pitchFamily="49" charset="0"/>
+              </a:rPr>
+              <a:t>type</a:t>
+            </a:r>
+            <a:r>
+              <a:rPr lang="en-US" altLang="zh-TW" b="0" dirty="0">
+                <a:solidFill>
+                  <a:srgbClr val="D4D4D4"/>
+                </a:solidFill>
+                <a:effectLst/>
+                <a:latin typeface="Consolas" panose="020B0609020204030204" pitchFamily="49" charset="0"/>
+              </a:rPr>
+              <a:t>=</a:t>
+            </a:r>
+            <a:r>
+              <a:rPr lang="en-US" altLang="zh-TW" b="0" dirty="0">
+                <a:solidFill>
+                  <a:srgbClr val="CE9178"/>
+                </a:solidFill>
+                <a:effectLst/>
+                <a:latin typeface="Consolas" panose="020B0609020204030204" pitchFamily="49" charset="0"/>
+              </a:rPr>
+              <a:t>"search"</a:t>
+            </a:r>
+            <a:r>
+              <a:rPr lang="en-US" altLang="zh-TW" b="0" dirty="0">
+                <a:solidFill>
+                  <a:srgbClr val="D4D4D4"/>
+                </a:solidFill>
+                <a:effectLst/>
+                <a:latin typeface="Consolas" panose="020B0609020204030204" pitchFamily="49" charset="0"/>
+              </a:rPr>
+              <a:t> </a:t>
+            </a:r>
+            <a:r>
+              <a:rPr lang="en-US" altLang="zh-TW" b="0" dirty="0">
+                <a:solidFill>
+                  <a:srgbClr val="9CDCFE"/>
+                </a:solidFill>
+                <a:effectLst/>
+                <a:latin typeface="Consolas" panose="020B0609020204030204" pitchFamily="49" charset="0"/>
+              </a:rPr>
+              <a:t>placeholder</a:t>
+            </a:r>
+            <a:r>
+              <a:rPr lang="en-US" altLang="zh-TW" b="0" dirty="0">
+                <a:solidFill>
+                  <a:srgbClr val="D4D4D4"/>
+                </a:solidFill>
+                <a:effectLst/>
+                <a:latin typeface="Consolas" panose="020B0609020204030204" pitchFamily="49" charset="0"/>
+              </a:rPr>
+              <a:t>=</a:t>
+            </a:r>
+            <a:r>
+              <a:rPr lang="en-US" altLang="zh-TW" b="0" dirty="0">
+                <a:solidFill>
+                  <a:srgbClr val="CE9178"/>
+                </a:solidFill>
+                <a:effectLst/>
+                <a:latin typeface="Consolas" panose="020B0609020204030204" pitchFamily="49" charset="0"/>
+              </a:rPr>
+              <a:t>"Search"</a:t>
+            </a:r>
+            <a:r>
+              <a:rPr lang="en-US" altLang="zh-TW" b="0" dirty="0">
+                <a:solidFill>
+                  <a:srgbClr val="D4D4D4"/>
+                </a:solidFill>
+                <a:effectLst/>
+                <a:latin typeface="Consolas" panose="020B0609020204030204" pitchFamily="49" charset="0"/>
+              </a:rPr>
+              <a:t> </a:t>
+            </a:r>
+            <a:r>
+              <a:rPr lang="en-US" altLang="zh-TW" b="0" dirty="0">
+                <a:solidFill>
+                  <a:srgbClr val="9CDCFE"/>
+                </a:solidFill>
+                <a:effectLst/>
+                <a:latin typeface="Consolas" panose="020B0609020204030204" pitchFamily="49" charset="0"/>
+              </a:rPr>
+              <a:t>aria-label</a:t>
+            </a:r>
+            <a:r>
+              <a:rPr lang="en-US" altLang="zh-TW" b="0" dirty="0">
+                <a:solidFill>
+                  <a:srgbClr val="D4D4D4"/>
+                </a:solidFill>
+                <a:effectLst/>
+                <a:latin typeface="Consolas" panose="020B0609020204030204" pitchFamily="49" charset="0"/>
+              </a:rPr>
+              <a:t>=</a:t>
+            </a:r>
+            <a:r>
+              <a:rPr lang="en-US" altLang="zh-TW" b="0" dirty="0">
+                <a:solidFill>
+                  <a:srgbClr val="CE9178"/>
+                </a:solidFill>
+                <a:effectLst/>
+                <a:latin typeface="Consolas" panose="020B0609020204030204" pitchFamily="49" charset="0"/>
+              </a:rPr>
+              <a:t>"Search"</a:t>
+            </a:r>
+            <a:r>
+              <a:rPr lang="en-US" altLang="zh-TW" b="0" dirty="0">
+                <a:solidFill>
+                  <a:srgbClr val="808080"/>
+                </a:solidFill>
+                <a:effectLst/>
+                <a:latin typeface="Consolas" panose="020B0609020204030204" pitchFamily="49" charset="0"/>
+              </a:rPr>
+              <a:t>/&gt;</a:t>
+            </a:r>
+            <a:endParaRPr lang="en-US" altLang="zh-TW" b="0" dirty="0">
+              <a:solidFill>
+                <a:srgbClr val="D4D4D4"/>
+              </a:solidFill>
+              <a:effectLst/>
+              <a:latin typeface="Consolas" panose="020B0609020204030204" pitchFamily="49" charset="0"/>
+            </a:endParaRPr>
+          </a:p>
+          <a:p>
+            <a:r>
+              <a:rPr lang="en-US" altLang="zh-TW" b="0" dirty="0">
+                <a:solidFill>
+                  <a:srgbClr val="D4D4D4"/>
+                </a:solidFill>
+                <a:effectLst/>
+                <a:latin typeface="Consolas" panose="020B0609020204030204" pitchFamily="49" charset="0"/>
+              </a:rPr>
+              <a:t>              </a:t>
+            </a:r>
+            <a:r>
+              <a:rPr lang="en-US" altLang="zh-TW" b="0" dirty="0">
+                <a:solidFill>
+                  <a:srgbClr val="808080"/>
+                </a:solidFill>
+                <a:effectLst/>
+                <a:latin typeface="Consolas" panose="020B0609020204030204" pitchFamily="49" charset="0"/>
+              </a:rPr>
+              <a:t>&lt;</a:t>
+            </a:r>
+            <a:r>
+              <a:rPr lang="en-US" altLang="zh-TW" b="0" dirty="0">
+                <a:solidFill>
+                  <a:srgbClr val="569CD6"/>
+                </a:solidFill>
+                <a:effectLst/>
+                <a:latin typeface="Consolas" panose="020B0609020204030204" pitchFamily="49" charset="0"/>
+              </a:rPr>
+              <a:t>button</a:t>
+            </a:r>
+            <a:r>
+              <a:rPr lang="en-US" altLang="zh-TW" b="0" dirty="0">
+                <a:solidFill>
+                  <a:srgbClr val="D4D4D4"/>
+                </a:solidFill>
+                <a:effectLst/>
+                <a:latin typeface="Consolas" panose="020B0609020204030204" pitchFamily="49" charset="0"/>
+              </a:rPr>
+              <a:t> </a:t>
+            </a:r>
+            <a:r>
+              <a:rPr lang="en-US" altLang="zh-TW" b="0" dirty="0">
+                <a:solidFill>
+                  <a:srgbClr val="9CDCFE"/>
+                </a:solidFill>
+                <a:effectLst/>
+                <a:latin typeface="Consolas" panose="020B0609020204030204" pitchFamily="49" charset="0"/>
+              </a:rPr>
+              <a:t>class</a:t>
+            </a:r>
+            <a:r>
+              <a:rPr lang="en-US" altLang="zh-TW" b="0" dirty="0">
+                <a:solidFill>
+                  <a:srgbClr val="D4D4D4"/>
+                </a:solidFill>
+                <a:effectLst/>
+                <a:latin typeface="Consolas" panose="020B0609020204030204" pitchFamily="49" charset="0"/>
+              </a:rPr>
+              <a:t>=</a:t>
+            </a:r>
+            <a:r>
+              <a:rPr lang="en-US" altLang="zh-TW" b="0" dirty="0">
+                <a:solidFill>
+                  <a:srgbClr val="CE9178"/>
+                </a:solidFill>
+                <a:effectLst/>
+                <a:latin typeface="Consolas" panose="020B0609020204030204" pitchFamily="49" charset="0"/>
+              </a:rPr>
+              <a:t>"</a:t>
+            </a:r>
+            <a:r>
+              <a:rPr lang="en-US" altLang="zh-TW" b="0" dirty="0" err="1">
+                <a:solidFill>
+                  <a:srgbClr val="CE9178"/>
+                </a:solidFill>
+                <a:effectLst/>
+                <a:latin typeface="Consolas" panose="020B0609020204030204" pitchFamily="49" charset="0"/>
+              </a:rPr>
+              <a:t>btn</a:t>
+            </a:r>
+            <a:r>
+              <a:rPr lang="en-US" altLang="zh-TW" b="0" dirty="0">
+                <a:solidFill>
+                  <a:srgbClr val="CE9178"/>
+                </a:solidFill>
+                <a:effectLst/>
+                <a:latin typeface="Consolas" panose="020B0609020204030204" pitchFamily="49" charset="0"/>
+              </a:rPr>
+              <a:t> </a:t>
+            </a:r>
+            <a:r>
+              <a:rPr lang="en-US" altLang="zh-TW" b="0" dirty="0" err="1">
+                <a:solidFill>
+                  <a:srgbClr val="CE9178"/>
+                </a:solidFill>
+                <a:effectLst/>
+                <a:latin typeface="Consolas" panose="020B0609020204030204" pitchFamily="49" charset="0"/>
+              </a:rPr>
+              <a:t>btn</a:t>
+            </a:r>
+            <a:r>
+              <a:rPr lang="en-US" altLang="zh-TW" b="0" dirty="0">
+                <a:solidFill>
+                  <a:srgbClr val="CE9178"/>
+                </a:solidFill>
+                <a:effectLst/>
+                <a:latin typeface="Consolas" panose="020B0609020204030204" pitchFamily="49" charset="0"/>
+              </a:rPr>
+              <a:t>-outline-success"</a:t>
+            </a:r>
+            <a:r>
+              <a:rPr lang="en-US" altLang="zh-TW" b="0" dirty="0">
+                <a:solidFill>
+                  <a:srgbClr val="D4D4D4"/>
+                </a:solidFill>
+                <a:effectLst/>
+                <a:latin typeface="Consolas" panose="020B0609020204030204" pitchFamily="49" charset="0"/>
+              </a:rPr>
+              <a:t>  </a:t>
+            </a:r>
+            <a:r>
+              <a:rPr lang="en-US" altLang="zh-TW" b="0" dirty="0">
+                <a:solidFill>
+                  <a:srgbClr val="9CDCFE"/>
+                </a:solidFill>
+                <a:effectLst/>
+                <a:latin typeface="Consolas" panose="020B0609020204030204" pitchFamily="49" charset="0"/>
+              </a:rPr>
+              <a:t>onclick</a:t>
+            </a:r>
+            <a:r>
+              <a:rPr lang="en-US" altLang="zh-TW" b="0" dirty="0">
+                <a:solidFill>
+                  <a:srgbClr val="D4D4D4"/>
+                </a:solidFill>
+                <a:effectLst/>
+                <a:latin typeface="Consolas" panose="020B0609020204030204" pitchFamily="49" charset="0"/>
+              </a:rPr>
+              <a:t>=</a:t>
+            </a:r>
+            <a:r>
+              <a:rPr lang="en-US" altLang="zh-TW" b="0" dirty="0">
+                <a:solidFill>
+                  <a:srgbClr val="CE9178"/>
+                </a:solidFill>
+                <a:effectLst/>
+                <a:latin typeface="Consolas" panose="020B0609020204030204" pitchFamily="49" charset="0"/>
+              </a:rPr>
+              <a:t>"</a:t>
+            </a:r>
+            <a:r>
+              <a:rPr lang="en-US" altLang="zh-TW" b="0" dirty="0" err="1">
+                <a:solidFill>
+                  <a:srgbClr val="DCDCAA"/>
+                </a:solidFill>
+                <a:effectLst/>
+                <a:latin typeface="Consolas" panose="020B0609020204030204" pitchFamily="49" charset="0"/>
+              </a:rPr>
+              <a:t>Serch</a:t>
+            </a:r>
+            <a:r>
+              <a:rPr lang="en-US" altLang="zh-TW" b="0" dirty="0">
+                <a:solidFill>
+                  <a:srgbClr val="CE9178"/>
+                </a:solidFill>
+                <a:effectLst/>
+                <a:latin typeface="Consolas" panose="020B0609020204030204" pitchFamily="49" charset="0"/>
+              </a:rPr>
+              <a:t>()"</a:t>
+            </a:r>
+            <a:r>
+              <a:rPr lang="en-US" altLang="zh-TW" b="0" dirty="0">
+                <a:solidFill>
+                  <a:srgbClr val="808080"/>
+                </a:solidFill>
+                <a:effectLst/>
+                <a:latin typeface="Consolas" panose="020B0609020204030204" pitchFamily="49" charset="0"/>
+              </a:rPr>
+              <a:t>&gt;</a:t>
+            </a:r>
+            <a:r>
+              <a:rPr lang="en-US" altLang="zh-TW" b="0" dirty="0">
+                <a:solidFill>
+                  <a:srgbClr val="D4D4D4"/>
+                </a:solidFill>
+                <a:effectLst/>
+                <a:latin typeface="Consolas" panose="020B0609020204030204" pitchFamily="49" charset="0"/>
+              </a:rPr>
+              <a:t>Search</a:t>
+            </a:r>
+            <a:r>
+              <a:rPr lang="en-US" altLang="zh-TW" b="0" dirty="0">
+                <a:solidFill>
+                  <a:srgbClr val="808080"/>
+                </a:solidFill>
+                <a:effectLst/>
+                <a:latin typeface="Consolas" panose="020B0609020204030204" pitchFamily="49" charset="0"/>
+              </a:rPr>
+              <a:t>&lt;/</a:t>
+            </a:r>
+            <a:r>
+              <a:rPr lang="en-US" altLang="zh-TW" b="0" dirty="0">
+                <a:solidFill>
+                  <a:srgbClr val="569CD6"/>
+                </a:solidFill>
+                <a:effectLst/>
+                <a:latin typeface="Consolas" panose="020B0609020204030204" pitchFamily="49" charset="0"/>
+              </a:rPr>
+              <a:t>button</a:t>
+            </a:r>
+            <a:r>
+              <a:rPr lang="en-US" altLang="zh-TW" b="0" dirty="0">
+                <a:solidFill>
+                  <a:srgbClr val="808080"/>
+                </a:solidFill>
+                <a:effectLst/>
+                <a:latin typeface="Consolas" panose="020B0609020204030204" pitchFamily="49" charset="0"/>
+              </a:rPr>
+              <a:t>&gt;</a:t>
+            </a:r>
+            <a:endParaRPr lang="en-US" altLang="zh-TW" b="0" dirty="0">
+              <a:solidFill>
+                <a:srgbClr val="D4D4D4"/>
+              </a:solidFill>
+              <a:effectLst/>
+              <a:latin typeface="Consolas" panose="020B0609020204030204" pitchFamily="49" charset="0"/>
+            </a:endParaRPr>
+          </a:p>
+        </p:txBody>
+      </p:sp>
+      <p:sp>
+        <p:nvSpPr>
+          <p:cNvPr id="7" name="文字方塊 6">
+            <a:extLst>
+              <a:ext uri="{FF2B5EF4-FFF2-40B4-BE49-F238E27FC236}">
+                <a16:creationId xmlns:a16="http://schemas.microsoft.com/office/drawing/2014/main" id="{F6E1FA1E-0DA3-6C4E-68D2-230B60D313DF}"/>
+              </a:ext>
+            </a:extLst>
+          </p:cNvPr>
+          <p:cNvSpPr txBox="1"/>
+          <p:nvPr/>
+        </p:nvSpPr>
+        <p:spPr>
+          <a:xfrm>
+            <a:off x="308811" y="2957362"/>
+            <a:ext cx="11770894" cy="1754326"/>
+          </a:xfrm>
+          <a:prstGeom prst="rect">
+            <a:avLst/>
+          </a:prstGeom>
+          <a:solidFill>
+            <a:schemeClr val="tx1"/>
+          </a:solidFill>
+        </p:spPr>
+        <p:txBody>
+          <a:bodyPr wrap="square">
+            <a:spAutoFit/>
+          </a:bodyPr>
+          <a:lstStyle/>
+          <a:p>
+            <a:r>
+              <a:rPr lang="en-US" altLang="zh-TW" b="0" dirty="0">
+                <a:solidFill>
+                  <a:srgbClr val="569CD6"/>
+                </a:solidFill>
+                <a:effectLst/>
+                <a:latin typeface="Consolas" panose="020B0609020204030204" pitchFamily="49" charset="0"/>
+              </a:rPr>
+              <a:t>function</a:t>
+            </a:r>
+            <a:r>
+              <a:rPr lang="en-US" altLang="zh-TW" b="0" dirty="0">
+                <a:solidFill>
+                  <a:srgbClr val="D4D4D4"/>
+                </a:solidFill>
+                <a:effectLst/>
+                <a:latin typeface="Consolas" panose="020B0609020204030204" pitchFamily="49" charset="0"/>
+              </a:rPr>
+              <a:t> </a:t>
+            </a:r>
+            <a:r>
+              <a:rPr lang="en-US" altLang="zh-TW" b="0" dirty="0" err="1">
+                <a:solidFill>
+                  <a:srgbClr val="DCDCAA"/>
+                </a:solidFill>
+                <a:effectLst/>
+                <a:latin typeface="Consolas" panose="020B0609020204030204" pitchFamily="49" charset="0"/>
+              </a:rPr>
+              <a:t>Serch</a:t>
+            </a:r>
+            <a:r>
+              <a:rPr lang="en-US" altLang="zh-TW" b="0" dirty="0">
+                <a:solidFill>
+                  <a:srgbClr val="D4D4D4"/>
+                </a:solidFill>
+                <a:effectLst/>
+                <a:latin typeface="Consolas" panose="020B0609020204030204" pitchFamily="49" charset="0"/>
+              </a:rPr>
+              <a:t>(){</a:t>
+            </a:r>
+          </a:p>
+          <a:p>
+            <a:r>
+              <a:rPr lang="en-US" altLang="zh-TW" b="0" dirty="0">
+                <a:solidFill>
+                  <a:srgbClr val="D4D4D4"/>
+                </a:solidFill>
+                <a:effectLst/>
+                <a:latin typeface="Consolas" panose="020B0609020204030204" pitchFamily="49" charset="0"/>
+              </a:rPr>
+              <a:t>    </a:t>
+            </a:r>
+            <a:r>
+              <a:rPr lang="en-US" altLang="zh-TW" b="0" dirty="0">
+                <a:solidFill>
+                  <a:srgbClr val="569CD6"/>
+                </a:solidFill>
+                <a:effectLst/>
+                <a:latin typeface="Consolas" panose="020B0609020204030204" pitchFamily="49" charset="0"/>
+              </a:rPr>
+              <a:t>let</a:t>
+            </a:r>
+            <a:r>
+              <a:rPr lang="en-US" altLang="zh-TW" b="0" dirty="0">
+                <a:solidFill>
+                  <a:srgbClr val="D4D4D4"/>
+                </a:solidFill>
+                <a:effectLst/>
+                <a:latin typeface="Consolas" panose="020B0609020204030204" pitchFamily="49" charset="0"/>
+              </a:rPr>
+              <a:t> </a:t>
+            </a:r>
+            <a:r>
+              <a:rPr lang="en-US" altLang="zh-TW" b="0" dirty="0" err="1">
+                <a:solidFill>
+                  <a:srgbClr val="9CDCFE"/>
+                </a:solidFill>
+                <a:effectLst/>
+                <a:latin typeface="Consolas" panose="020B0609020204030204" pitchFamily="49" charset="0"/>
+              </a:rPr>
+              <a:t>search_content</a:t>
+            </a:r>
+            <a:r>
+              <a:rPr lang="en-US" altLang="zh-TW" b="0" dirty="0">
+                <a:solidFill>
+                  <a:srgbClr val="D4D4D4"/>
+                </a:solidFill>
+                <a:effectLst/>
+                <a:latin typeface="Consolas" panose="020B0609020204030204" pitchFamily="49" charset="0"/>
+              </a:rPr>
+              <a:t> = </a:t>
+            </a:r>
+            <a:r>
+              <a:rPr lang="en-US" altLang="zh-TW" b="0" dirty="0" err="1">
+                <a:solidFill>
+                  <a:srgbClr val="9CDCFE"/>
+                </a:solidFill>
+                <a:effectLst/>
+                <a:latin typeface="Consolas" panose="020B0609020204030204" pitchFamily="49" charset="0"/>
+              </a:rPr>
+              <a:t>document</a:t>
+            </a:r>
+            <a:r>
+              <a:rPr lang="en-US" altLang="zh-TW" b="0" dirty="0" err="1">
+                <a:solidFill>
+                  <a:srgbClr val="D4D4D4"/>
+                </a:solidFill>
+                <a:effectLst/>
+                <a:latin typeface="Consolas" panose="020B0609020204030204" pitchFamily="49" charset="0"/>
+              </a:rPr>
+              <a:t>.</a:t>
+            </a:r>
+            <a:r>
+              <a:rPr lang="en-US" altLang="zh-TW" b="0" dirty="0" err="1">
+                <a:solidFill>
+                  <a:srgbClr val="DCDCAA"/>
+                </a:solidFill>
+                <a:effectLst/>
+                <a:latin typeface="Consolas" panose="020B0609020204030204" pitchFamily="49" charset="0"/>
+              </a:rPr>
+              <a:t>getElementById</a:t>
+            </a:r>
+            <a:r>
+              <a:rPr lang="en-US" altLang="zh-TW" b="0" dirty="0">
+                <a:solidFill>
+                  <a:srgbClr val="D4D4D4"/>
+                </a:solidFill>
+                <a:effectLst/>
+                <a:latin typeface="Consolas" panose="020B0609020204030204" pitchFamily="49" charset="0"/>
+              </a:rPr>
+              <a:t>(</a:t>
+            </a:r>
+            <a:r>
+              <a:rPr lang="en-US" altLang="zh-TW" b="0" dirty="0">
+                <a:solidFill>
+                  <a:srgbClr val="CE9178"/>
+                </a:solidFill>
+                <a:effectLst/>
+                <a:latin typeface="Consolas" panose="020B0609020204030204" pitchFamily="49" charset="0"/>
+              </a:rPr>
+              <a:t>"n. vmp6"</a:t>
+            </a:r>
+            <a:r>
+              <a:rPr lang="en-US" altLang="zh-TW" b="0" dirty="0">
+                <a:solidFill>
+                  <a:srgbClr val="D4D4D4"/>
+                </a:solidFill>
+                <a:effectLst/>
+                <a:latin typeface="Consolas" panose="020B0609020204030204" pitchFamily="49" charset="0"/>
+              </a:rPr>
+              <a:t>).</a:t>
+            </a:r>
+            <a:r>
+              <a:rPr lang="en-US" altLang="zh-TW" b="0" dirty="0">
+                <a:solidFill>
+                  <a:srgbClr val="9CDCFE"/>
+                </a:solidFill>
+                <a:effectLst/>
+                <a:latin typeface="Consolas" panose="020B0609020204030204" pitchFamily="49" charset="0"/>
+              </a:rPr>
+              <a:t>value</a:t>
+            </a:r>
+            <a:r>
+              <a:rPr lang="en-US" altLang="zh-TW" b="0" dirty="0">
+                <a:solidFill>
+                  <a:srgbClr val="D4D4D4"/>
+                </a:solidFill>
+                <a:effectLst/>
+                <a:latin typeface="Consolas" panose="020B0609020204030204" pitchFamily="49" charset="0"/>
+              </a:rPr>
+              <a:t>;</a:t>
+            </a:r>
+          </a:p>
+          <a:p>
+            <a:r>
+              <a:rPr lang="en-US" altLang="zh-TW" b="0" dirty="0">
+                <a:solidFill>
+                  <a:srgbClr val="D4D4D4"/>
+                </a:solidFill>
+                <a:effectLst/>
+                <a:latin typeface="Consolas" panose="020B0609020204030204" pitchFamily="49" charset="0"/>
+              </a:rPr>
+              <a:t>    </a:t>
+            </a:r>
+            <a:r>
+              <a:rPr lang="en-US" altLang="zh-TW" b="0" dirty="0" err="1">
+                <a:solidFill>
+                  <a:srgbClr val="9CDCFE"/>
+                </a:solidFill>
+                <a:effectLst/>
+                <a:latin typeface="Consolas" panose="020B0609020204030204" pitchFamily="49" charset="0"/>
+              </a:rPr>
+              <a:t>window</a:t>
+            </a:r>
+            <a:r>
+              <a:rPr lang="en-US" altLang="zh-TW" b="0" dirty="0" err="1">
+                <a:solidFill>
+                  <a:srgbClr val="D4D4D4"/>
+                </a:solidFill>
+                <a:effectLst/>
+                <a:latin typeface="Consolas" panose="020B0609020204030204" pitchFamily="49" charset="0"/>
+              </a:rPr>
+              <a:t>.</a:t>
+            </a:r>
+            <a:r>
+              <a:rPr lang="en-US" altLang="zh-TW" b="0" dirty="0" err="1">
+                <a:solidFill>
+                  <a:srgbClr val="DCDCAA"/>
+                </a:solidFill>
+                <a:effectLst/>
+                <a:latin typeface="Consolas" panose="020B0609020204030204" pitchFamily="49" charset="0"/>
+              </a:rPr>
+              <a:t>open</a:t>
+            </a:r>
+            <a:r>
+              <a:rPr lang="en-US" altLang="zh-TW" b="0" dirty="0">
+                <a:solidFill>
+                  <a:srgbClr val="D4D4D4"/>
+                </a:solidFill>
+                <a:effectLst/>
+                <a:latin typeface="Consolas" panose="020B0609020204030204" pitchFamily="49" charset="0"/>
+              </a:rPr>
+              <a:t>(</a:t>
+            </a:r>
+            <a:r>
+              <a:rPr lang="en-US" altLang="zh-TW" b="0" dirty="0">
+                <a:solidFill>
+                  <a:srgbClr val="CE9178"/>
+                </a:solidFill>
+                <a:effectLst/>
+                <a:latin typeface="Consolas" panose="020B0609020204030204" pitchFamily="49" charset="0"/>
+              </a:rPr>
+              <a:t>`https://www.google.com.tw/search?q=</a:t>
+            </a:r>
+            <a:r>
+              <a:rPr lang="en-US" altLang="zh-TW" b="0" dirty="0">
+                <a:solidFill>
+                  <a:srgbClr val="569CD6"/>
+                </a:solidFill>
+                <a:effectLst/>
+                <a:latin typeface="Consolas" panose="020B0609020204030204" pitchFamily="49" charset="0"/>
+              </a:rPr>
+              <a:t>${</a:t>
+            </a:r>
+            <a:r>
+              <a:rPr lang="en-US" altLang="zh-TW" b="0" dirty="0">
+                <a:solidFill>
+                  <a:srgbClr val="9CDCFE"/>
+                </a:solidFill>
+                <a:effectLst/>
+                <a:latin typeface="Consolas" panose="020B0609020204030204" pitchFamily="49" charset="0"/>
+              </a:rPr>
+              <a:t>search_content</a:t>
+            </a:r>
+            <a:r>
+              <a:rPr lang="en-US" altLang="zh-TW" b="0" dirty="0">
+                <a:solidFill>
+                  <a:srgbClr val="569CD6"/>
+                </a:solidFill>
+                <a:effectLst/>
+                <a:latin typeface="Consolas" panose="020B0609020204030204" pitchFamily="49" charset="0"/>
+              </a:rPr>
+              <a:t>}</a:t>
+            </a:r>
+            <a:r>
+              <a:rPr lang="en-US" altLang="zh-TW" b="0" dirty="0">
+                <a:solidFill>
+                  <a:srgbClr val="CE9178"/>
+                </a:solidFill>
+                <a:effectLst/>
+                <a:latin typeface="Consolas" panose="020B0609020204030204" pitchFamily="49" charset="0"/>
+              </a:rPr>
+              <a:t>`</a:t>
+            </a:r>
+            <a:r>
+              <a:rPr lang="en-US" altLang="zh-TW" b="0" dirty="0">
+                <a:solidFill>
+                  <a:srgbClr val="D4D4D4"/>
+                </a:solidFill>
+                <a:effectLst/>
+                <a:latin typeface="Consolas" panose="020B0609020204030204" pitchFamily="49" charset="0"/>
+              </a:rPr>
+              <a:t> );</a:t>
+            </a:r>
+          </a:p>
+          <a:p>
+            <a:r>
+              <a:rPr lang="en-US" altLang="zh-TW" b="0" dirty="0">
+                <a:solidFill>
+                  <a:srgbClr val="D4D4D4"/>
+                </a:solidFill>
+                <a:effectLst/>
+                <a:latin typeface="Consolas" panose="020B0609020204030204" pitchFamily="49" charset="0"/>
+              </a:rPr>
+              <a:t>    </a:t>
+            </a:r>
+            <a:r>
+              <a:rPr lang="en-US" altLang="zh-TW" b="0" dirty="0">
+                <a:solidFill>
+                  <a:srgbClr val="6A9955"/>
+                </a:solidFill>
+                <a:effectLst/>
+                <a:latin typeface="Consolas" panose="020B0609020204030204" pitchFamily="49" charset="0"/>
+              </a:rPr>
+              <a:t>// alert(</a:t>
+            </a:r>
+            <a:r>
+              <a:rPr lang="en-US" altLang="zh-TW" b="0" dirty="0" err="1">
+                <a:solidFill>
+                  <a:srgbClr val="6A9955"/>
+                </a:solidFill>
+                <a:effectLst/>
+                <a:latin typeface="Consolas" panose="020B0609020204030204" pitchFamily="49" charset="0"/>
+              </a:rPr>
+              <a:t>search_content</a:t>
+            </a:r>
+            <a:r>
+              <a:rPr lang="en-US" altLang="zh-TW" b="0" dirty="0">
+                <a:solidFill>
+                  <a:srgbClr val="6A9955"/>
+                </a:solidFill>
+                <a:effectLst/>
+                <a:latin typeface="Consolas" panose="020B0609020204030204" pitchFamily="49" charset="0"/>
+              </a:rPr>
+              <a:t>)</a:t>
+            </a:r>
+            <a:endParaRPr lang="en-US" altLang="zh-TW" b="0" dirty="0">
+              <a:solidFill>
+                <a:srgbClr val="D4D4D4"/>
+              </a:solidFill>
+              <a:effectLst/>
+              <a:latin typeface="Consolas" panose="020B0609020204030204" pitchFamily="49" charset="0"/>
+            </a:endParaRPr>
+          </a:p>
+          <a:p>
+            <a:r>
+              <a:rPr lang="en-US" altLang="zh-TW" b="0" dirty="0">
+                <a:solidFill>
+                  <a:srgbClr val="D4D4D4"/>
+                </a:solidFill>
+                <a:effectLst/>
+                <a:latin typeface="Consolas" panose="020B0609020204030204" pitchFamily="49" charset="0"/>
+              </a:rPr>
+              <a:t>    </a:t>
+            </a:r>
+            <a:r>
+              <a:rPr lang="en-US" altLang="zh-TW" b="0" dirty="0">
+                <a:solidFill>
+                  <a:srgbClr val="6A9955"/>
+                </a:solidFill>
+                <a:effectLst/>
+                <a:latin typeface="Consolas" panose="020B0609020204030204" pitchFamily="49" charset="0"/>
+              </a:rPr>
+              <a:t>// console.log(</a:t>
+            </a:r>
+            <a:r>
+              <a:rPr lang="en-US" altLang="zh-TW" b="0" dirty="0" err="1">
+                <a:solidFill>
+                  <a:srgbClr val="6A9955"/>
+                </a:solidFill>
+                <a:effectLst/>
+                <a:latin typeface="Consolas" panose="020B0609020204030204" pitchFamily="49" charset="0"/>
+              </a:rPr>
+              <a:t>search_content</a:t>
+            </a:r>
+            <a:r>
+              <a:rPr lang="en-US" altLang="zh-TW" b="0" dirty="0">
+                <a:solidFill>
+                  <a:srgbClr val="6A9955"/>
+                </a:solidFill>
+                <a:effectLst/>
+                <a:latin typeface="Consolas" panose="020B0609020204030204" pitchFamily="49" charset="0"/>
+              </a:rPr>
+              <a:t>)</a:t>
+            </a:r>
+            <a:endParaRPr lang="en-US" altLang="zh-TW" b="0" dirty="0">
+              <a:solidFill>
+                <a:srgbClr val="D4D4D4"/>
+              </a:solidFill>
+              <a:effectLst/>
+              <a:latin typeface="Consolas" panose="020B0609020204030204" pitchFamily="49" charset="0"/>
+            </a:endParaRPr>
+          </a:p>
+          <a:p>
+            <a:r>
+              <a:rPr lang="en-US" altLang="zh-TW" b="0" dirty="0">
+                <a:solidFill>
+                  <a:srgbClr val="D4D4D4"/>
+                </a:solidFill>
+                <a:effectLst/>
+                <a:latin typeface="Consolas" panose="020B0609020204030204" pitchFamily="49" charset="0"/>
+              </a:rPr>
+              <a:t>}</a:t>
+            </a:r>
+          </a:p>
+        </p:txBody>
+      </p:sp>
+      <p:sp>
+        <p:nvSpPr>
+          <p:cNvPr id="8" name="文字方塊 7">
+            <a:extLst>
+              <a:ext uri="{FF2B5EF4-FFF2-40B4-BE49-F238E27FC236}">
+                <a16:creationId xmlns:a16="http://schemas.microsoft.com/office/drawing/2014/main" id="{A8E4BEB0-68D5-9356-57F8-CA56BBB34379}"/>
+              </a:ext>
+            </a:extLst>
+          </p:cNvPr>
+          <p:cNvSpPr txBox="1"/>
+          <p:nvPr/>
+        </p:nvSpPr>
+        <p:spPr>
+          <a:xfrm>
+            <a:off x="7276699" y="2102624"/>
+            <a:ext cx="3553986" cy="369332"/>
+          </a:xfrm>
+          <a:prstGeom prst="rect">
+            <a:avLst/>
+          </a:prstGeom>
+          <a:noFill/>
+        </p:spPr>
+        <p:txBody>
+          <a:bodyPr wrap="none" rtlCol="0">
+            <a:spAutoFit/>
+          </a:bodyPr>
+          <a:lstStyle/>
+          <a:p>
+            <a:r>
+              <a:rPr lang="zh-TW" altLang="en-US" dirty="0">
+                <a:solidFill>
+                  <a:schemeClr val="bg1"/>
+                </a:solidFill>
+              </a:rPr>
+              <a:t>點擊 </a:t>
+            </a:r>
+            <a:r>
+              <a:rPr lang="en-US" altLang="zh-TW" dirty="0">
+                <a:solidFill>
+                  <a:schemeClr val="bg1"/>
+                </a:solidFill>
+              </a:rPr>
+              <a:t>search </a:t>
+            </a:r>
+            <a:r>
+              <a:rPr lang="zh-TW" altLang="en-US" dirty="0">
+                <a:solidFill>
+                  <a:schemeClr val="bg1"/>
+                </a:solidFill>
+              </a:rPr>
+              <a:t>按鈕後執行 </a:t>
+            </a:r>
+            <a:r>
+              <a:rPr lang="en-US" altLang="zh-TW" dirty="0" err="1">
+                <a:solidFill>
+                  <a:schemeClr val="bg1"/>
+                </a:solidFill>
+              </a:rPr>
+              <a:t>js</a:t>
+            </a:r>
+            <a:r>
+              <a:rPr lang="en-US" altLang="zh-TW" dirty="0">
+                <a:solidFill>
+                  <a:schemeClr val="bg1"/>
+                </a:solidFill>
+              </a:rPr>
+              <a:t> function</a:t>
+            </a:r>
+            <a:endParaRPr lang="zh-TW" altLang="en-US" dirty="0">
+              <a:solidFill>
+                <a:schemeClr val="bg1"/>
+              </a:solidFill>
+            </a:endParaRPr>
+          </a:p>
+        </p:txBody>
+      </p:sp>
+      <p:sp>
+        <p:nvSpPr>
+          <p:cNvPr id="9" name="文字方塊 8">
+            <a:extLst>
+              <a:ext uri="{FF2B5EF4-FFF2-40B4-BE49-F238E27FC236}">
+                <a16:creationId xmlns:a16="http://schemas.microsoft.com/office/drawing/2014/main" id="{2877855F-EE17-7751-D6A4-1B6FFD7970BE}"/>
+              </a:ext>
+            </a:extLst>
+          </p:cNvPr>
+          <p:cNvSpPr txBox="1"/>
+          <p:nvPr/>
+        </p:nvSpPr>
+        <p:spPr>
+          <a:xfrm>
+            <a:off x="4417265" y="3816628"/>
+            <a:ext cx="5160387" cy="369332"/>
+          </a:xfrm>
+          <a:prstGeom prst="rect">
+            <a:avLst/>
+          </a:prstGeom>
+          <a:noFill/>
+        </p:spPr>
+        <p:txBody>
+          <a:bodyPr wrap="none" rtlCol="0">
+            <a:spAutoFit/>
+          </a:bodyPr>
+          <a:lstStyle/>
+          <a:p>
+            <a:r>
+              <a:rPr lang="zh-TW" altLang="en-US" dirty="0">
+                <a:solidFill>
+                  <a:schemeClr val="bg1"/>
+                </a:solidFill>
+              </a:rPr>
+              <a:t>開新視窗 網址為 </a:t>
+            </a:r>
+            <a:r>
+              <a:rPr lang="en-US" altLang="zh-TW" dirty="0">
+                <a:solidFill>
+                  <a:schemeClr val="bg1"/>
+                </a:solidFill>
+              </a:rPr>
+              <a:t>google </a:t>
+            </a:r>
+            <a:r>
+              <a:rPr lang="zh-TW" altLang="en-US" dirty="0">
+                <a:solidFill>
+                  <a:schemeClr val="bg1"/>
+                </a:solidFill>
+              </a:rPr>
+              <a:t>搜尋後面加入</a:t>
+            </a:r>
+            <a:r>
+              <a:rPr lang="en-US" altLang="zh-TW" dirty="0">
+                <a:solidFill>
+                  <a:schemeClr val="bg1"/>
+                </a:solidFill>
+              </a:rPr>
+              <a:t>input</a:t>
+            </a:r>
+            <a:r>
+              <a:rPr lang="zh-TW" altLang="en-US" dirty="0">
+                <a:solidFill>
+                  <a:schemeClr val="bg1"/>
+                </a:solidFill>
+              </a:rPr>
+              <a:t>的內容</a:t>
+            </a:r>
+          </a:p>
+        </p:txBody>
+      </p:sp>
     </p:spTree>
     <p:extLst>
       <p:ext uri="{BB962C8B-B14F-4D97-AF65-F5344CB8AC3E}">
-        <p14:creationId xmlns:p14="http://schemas.microsoft.com/office/powerpoint/2010/main" val="261188713"/>
+        <p14:creationId xmlns:p14="http://schemas.microsoft.com/office/powerpoint/2010/main" val="2603125523"/>
       </p:ext>
     </p:extLst>
   </p:cSld>
@@ -4104,6 +5519,217 @@
           </a:p>
         </p:txBody>
       </p:sp>
+      <p:sp>
+        <p:nvSpPr>
+          <p:cNvPr id="4" name="文字方塊 3">
+            <a:extLst>
+              <a:ext uri="{FF2B5EF4-FFF2-40B4-BE49-F238E27FC236}">
+                <a16:creationId xmlns:a16="http://schemas.microsoft.com/office/drawing/2014/main" id="{7AC353E3-B243-64DF-7410-3F538B802C66}"/>
+              </a:ext>
+            </a:extLst>
+          </p:cNvPr>
+          <p:cNvSpPr txBox="1"/>
+          <p:nvPr/>
+        </p:nvSpPr>
+        <p:spPr>
+          <a:xfrm>
+            <a:off x="9381744" y="2470038"/>
+            <a:ext cx="1800493" cy="369332"/>
+          </a:xfrm>
+          <a:prstGeom prst="rect">
+            <a:avLst/>
+          </a:prstGeom>
+          <a:noFill/>
+        </p:spPr>
+        <p:txBody>
+          <a:bodyPr wrap="none" rtlCol="0">
+            <a:spAutoFit/>
+          </a:bodyPr>
+          <a:lstStyle/>
+          <a:p>
+            <a:r>
+              <a:rPr lang="zh-TW" altLang="en-US" dirty="0">
+                <a:solidFill>
+                  <a:schemeClr val="bg1"/>
+                </a:solidFill>
+              </a:rPr>
+              <a:t>讓整個方塊左移</a:t>
+            </a:r>
+          </a:p>
+        </p:txBody>
+      </p:sp>
+      <p:sp>
+        <p:nvSpPr>
+          <p:cNvPr id="8" name="文字方塊 7">
+            <a:extLst>
+              <a:ext uri="{FF2B5EF4-FFF2-40B4-BE49-F238E27FC236}">
+                <a16:creationId xmlns:a16="http://schemas.microsoft.com/office/drawing/2014/main" id="{8872CD44-2EAF-CD3C-F1A6-F780F6E39175}"/>
+              </a:ext>
+            </a:extLst>
+          </p:cNvPr>
+          <p:cNvSpPr txBox="1"/>
+          <p:nvPr/>
+        </p:nvSpPr>
+        <p:spPr>
+          <a:xfrm>
+            <a:off x="9381744" y="2789641"/>
+            <a:ext cx="1338828" cy="369332"/>
+          </a:xfrm>
+          <a:prstGeom prst="rect">
+            <a:avLst/>
+          </a:prstGeom>
+          <a:noFill/>
+        </p:spPr>
+        <p:txBody>
+          <a:bodyPr wrap="none" rtlCol="0">
+            <a:spAutoFit/>
+          </a:bodyPr>
+          <a:lstStyle/>
+          <a:p>
+            <a:r>
+              <a:rPr lang="zh-TW" altLang="en-US" dirty="0">
+                <a:solidFill>
+                  <a:schemeClr val="bg1"/>
+                </a:solidFill>
+              </a:rPr>
+              <a:t>讓圖示消失</a:t>
+            </a:r>
+          </a:p>
+        </p:txBody>
+      </p:sp>
+      <p:sp>
+        <p:nvSpPr>
+          <p:cNvPr id="9" name="文字方塊 8">
+            <a:extLst>
+              <a:ext uri="{FF2B5EF4-FFF2-40B4-BE49-F238E27FC236}">
+                <a16:creationId xmlns:a16="http://schemas.microsoft.com/office/drawing/2014/main" id="{6D142872-8D99-9A2D-8D31-0D9109369F76}"/>
+              </a:ext>
+            </a:extLst>
+          </p:cNvPr>
+          <p:cNvSpPr txBox="1"/>
+          <p:nvPr/>
+        </p:nvSpPr>
+        <p:spPr>
+          <a:xfrm>
+            <a:off x="9040368" y="4388047"/>
+            <a:ext cx="1800493" cy="369332"/>
+          </a:xfrm>
+          <a:prstGeom prst="rect">
+            <a:avLst/>
+          </a:prstGeom>
+          <a:noFill/>
+        </p:spPr>
+        <p:txBody>
+          <a:bodyPr wrap="none" rtlCol="0">
+            <a:spAutoFit/>
+          </a:bodyPr>
+          <a:lstStyle/>
+          <a:p>
+            <a:r>
+              <a:rPr lang="zh-TW" altLang="en-US" dirty="0">
+                <a:solidFill>
+                  <a:schemeClr val="bg1"/>
+                </a:solidFill>
+              </a:rPr>
+              <a:t>讓整個方塊回復</a:t>
+            </a:r>
+          </a:p>
+        </p:txBody>
+      </p:sp>
+      <p:sp>
+        <p:nvSpPr>
+          <p:cNvPr id="10" name="文字方塊 9">
+            <a:extLst>
+              <a:ext uri="{FF2B5EF4-FFF2-40B4-BE49-F238E27FC236}">
+                <a16:creationId xmlns:a16="http://schemas.microsoft.com/office/drawing/2014/main" id="{5B755F3D-B6FF-28F7-BBE5-939F3D8B4879}"/>
+              </a:ext>
+            </a:extLst>
+          </p:cNvPr>
+          <p:cNvSpPr txBox="1"/>
+          <p:nvPr/>
+        </p:nvSpPr>
+        <p:spPr>
+          <a:xfrm>
+            <a:off x="9381744" y="4723302"/>
+            <a:ext cx="1800493" cy="369332"/>
+          </a:xfrm>
+          <a:prstGeom prst="rect">
+            <a:avLst/>
+          </a:prstGeom>
+          <a:noFill/>
+        </p:spPr>
+        <p:txBody>
+          <a:bodyPr wrap="none" rtlCol="0">
+            <a:spAutoFit/>
+          </a:bodyPr>
+          <a:lstStyle/>
+          <a:p>
+            <a:r>
+              <a:rPr lang="zh-TW" altLang="en-US" dirty="0">
+                <a:solidFill>
+                  <a:schemeClr val="bg1"/>
+                </a:solidFill>
+              </a:rPr>
+              <a:t>讓圖示放大出現</a:t>
+            </a:r>
+          </a:p>
+        </p:txBody>
+      </p:sp>
+      <p:sp>
+        <p:nvSpPr>
+          <p:cNvPr id="12" name="文字方塊 11">
+            <a:extLst>
+              <a:ext uri="{FF2B5EF4-FFF2-40B4-BE49-F238E27FC236}">
+                <a16:creationId xmlns:a16="http://schemas.microsoft.com/office/drawing/2014/main" id="{D01E15F7-AFC4-2D0E-95D8-9BDB81F0C2DF}"/>
+              </a:ext>
+            </a:extLst>
+          </p:cNvPr>
+          <p:cNvSpPr txBox="1"/>
+          <p:nvPr/>
+        </p:nvSpPr>
+        <p:spPr>
+          <a:xfrm>
+            <a:off x="9060558" y="5042905"/>
+            <a:ext cx="2323072" cy="369332"/>
+          </a:xfrm>
+          <a:prstGeom prst="rect">
+            <a:avLst/>
+          </a:prstGeom>
+          <a:noFill/>
+        </p:spPr>
+        <p:txBody>
+          <a:bodyPr wrap="none" rtlCol="0">
+            <a:spAutoFit/>
+          </a:bodyPr>
+          <a:lstStyle/>
+          <a:p>
+            <a:r>
+              <a:rPr lang="zh-TW" altLang="en-US" dirty="0">
+                <a:solidFill>
+                  <a:schemeClr val="bg1"/>
+                </a:solidFill>
+              </a:rPr>
+              <a:t>讓動作時間持續</a:t>
+            </a:r>
+            <a:r>
+              <a:rPr lang="en-US" altLang="zh-TW" dirty="0">
+                <a:solidFill>
+                  <a:schemeClr val="bg1"/>
+                </a:solidFill>
+              </a:rPr>
+              <a:t>0.5</a:t>
+            </a:r>
+            <a:r>
+              <a:rPr lang="zh-TW" altLang="en-US" dirty="0">
+                <a:solidFill>
+                  <a:schemeClr val="bg1"/>
+                </a:solidFill>
+              </a:rPr>
+              <a:t>秒</a:t>
+            </a:r>
+          </a:p>
+        </p:txBody>
+      </p:sp>
     </p:spTree>
     <p:extLst>
       <p:ext uri="{BB962C8B-B14F-4D97-AF65-F5344CB8AC3E}">
@@ -4228,7 +5854,7 @@
         </p:nvSpPr>
         <p:spPr>
           <a:xfrm>
-            <a:off x="1411705" y="3100856"/>
+            <a:off x="1558009" y="2844824"/>
             <a:ext cx="6721642" cy="2031325"/>
           </a:xfrm>
           <a:prstGeom prst="rect">
@@ -4735,6 +6361,45 @@
                 <a:latin typeface="Consolas" panose="020B0609020204030204" pitchFamily="49" charset="0"/>
               </a:rPr>
               <a:t>}</a:t>
+            </a:r>
+          </a:p>
+        </p:txBody>
+      </p:sp>
+      <p:sp>
+        <p:nvSpPr>
+          <p:cNvPr id="6" name="文字方塊 5">
+            <a:extLst>
+              <a:ext uri="{FF2B5EF4-FFF2-40B4-BE49-F238E27FC236}">
+                <a16:creationId xmlns:a16="http://schemas.microsoft.com/office/drawing/2014/main" id="{DD5462F5-5DE7-8011-8F5A-99101BF0EAE5}"/>
+              </a:ext>
+            </a:extLst>
+          </p:cNvPr>
+          <p:cNvSpPr txBox="1"/>
+          <p:nvPr/>
+        </p:nvSpPr>
+        <p:spPr>
+          <a:xfrm>
+            <a:off x="2048256" y="4506817"/>
+            <a:ext cx="2315057" cy="369332"/>
+          </a:xfrm>
+          <a:prstGeom prst="rect">
+            <a:avLst/>
+          </a:prstGeom>
+          <a:noFill/>
+        </p:spPr>
+        <p:txBody>
+          <a:bodyPr wrap="none" rtlCol="0">
+            <a:spAutoFit/>
+          </a:bodyPr>
+          <a:lstStyle/>
+          <a:p>
+            <a:r>
+              <a:rPr lang="zh-TW" altLang="en-US" dirty="0">
+                <a:solidFill>
+                  <a:schemeClr val="bg1"/>
+                </a:solidFill>
+              </a:rPr>
+              <a:t>插入陰影 但不做模糊</a:t>
             </a:r>
           </a:p>
         </p:txBody>
@@ -4841,7 +6506,7 @@
         </p:blipFill>
         <p:spPr>
           <a:xfrm>
-            <a:off x="533572" y="2490283"/>
+            <a:off x="838200" y="1964124"/>
             <a:ext cx="1114581" cy="1810003"/>
           </a:xfrm>
           <a:prstGeom prst="rect">
@@ -4863,8 +6528,8 @@
         </p:nvSpPr>
         <p:spPr>
           <a:xfrm>
-            <a:off x="2342146" y="3807221"/>
-            <a:ext cx="6096000" cy="3139321"/>
+            <a:off x="2342146" y="4001294"/>
+            <a:ext cx="7109862" cy="2308324"/>
           </a:xfrm>
           <a:prstGeom prst="rect">
             <a:avLst/>
@@ -5181,24 +6846,6 @@
               </a:rPr>
               <a:t>}</a:t>
             </a:r>
-          </a:p>
-          <a:p>
-            <a:br>
-              <a:rPr lang="en-US" altLang="zh-TW" b="0" dirty="0">
-                <a:solidFill>
-                  <a:srgbClr val="D4D4D4"/>
-                </a:solidFill>
-                <a:effectLst/>
-                <a:latin typeface="Consolas" panose="020B0609020204030204" pitchFamily="49" charset="0"/>
-              </a:rPr>
-            </a:br>
-            <a:endParaRPr lang="en-US" altLang="zh-TW" b="0" dirty="0">
-              <a:solidFill>
-                <a:srgbClr val="D4D4D4"/>
-              </a:solidFill>
-              <a:effectLst/>
-              <a:latin typeface="Consolas" panose="020B0609020204030204" pitchFamily="49" charset="0"/>
-            </a:endParaRPr>
           </a:p>
         </p:txBody>
       </p:sp>
@@ -5217,7 +6864,7 @@
         <p:spPr>
           <a:xfrm>
             <a:off x="2342146" y="-21035"/>
-            <a:ext cx="9849854" cy="3693319"/>
+            <a:ext cx="9691358" cy="3970318"/>
           </a:xfrm>
           <a:prstGeom prst="rect">
             <a:avLst/>
@@ -6215,6 +7862,168 @@
               <a:effectLst/>
               <a:latin typeface="Consolas" panose="020B0609020204030204" pitchFamily="49" charset="0"/>
             </a:endParaRPr>
+          </a:p>
+        </p:txBody>
+      </p:sp>
+      <p:sp>
+        <p:nvSpPr>
+          <p:cNvPr id="8" name="文字方塊 7">
+            <a:extLst>
+              <a:ext uri="{FF2B5EF4-FFF2-40B4-BE49-F238E27FC236}">
+                <a16:creationId xmlns:a16="http://schemas.microsoft.com/office/drawing/2014/main" id="{380F4DA2-4B8C-275C-AAEB-7ED20A75145C}"/>
+              </a:ext>
+            </a:extLst>
+          </p:cNvPr>
+          <p:cNvSpPr txBox="1"/>
+          <p:nvPr/>
+        </p:nvSpPr>
+        <p:spPr>
+          <a:xfrm>
+            <a:off x="10233011" y="-21035"/>
+            <a:ext cx="1569660" cy="369332"/>
+          </a:xfrm>
+          <a:prstGeom prst="rect">
+            <a:avLst/>
+          </a:prstGeom>
+          <a:noFill/>
+        </p:spPr>
+        <p:txBody>
+          <a:bodyPr wrap="none" rtlCol="0">
+            <a:spAutoFit/>
+          </a:bodyPr>
+          <a:lstStyle/>
+          <a:p>
+            <a:r>
+              <a:rPr lang="zh-TW" altLang="en-US" dirty="0">
+                <a:solidFill>
+                  <a:schemeClr val="bg1"/>
+                </a:solidFill>
+              </a:rPr>
+              <a:t>固定在右下角</a:t>
+            </a:r>
+          </a:p>
+        </p:txBody>
+      </p:sp>
+      <p:sp>
+        <p:nvSpPr>
+          <p:cNvPr id="10" name="文字方塊 9">
+            <a:extLst>
+              <a:ext uri="{FF2B5EF4-FFF2-40B4-BE49-F238E27FC236}">
+                <a16:creationId xmlns:a16="http://schemas.microsoft.com/office/drawing/2014/main" id="{C5A4A684-AB01-A5AC-8107-34158FC5E63D}"/>
+              </a:ext>
+            </a:extLst>
+          </p:cNvPr>
+          <p:cNvSpPr txBox="1"/>
+          <p:nvPr/>
+        </p:nvSpPr>
+        <p:spPr>
+          <a:xfrm>
+            <a:off x="6746099" y="1056046"/>
+            <a:ext cx="4078361" cy="369332"/>
+          </a:xfrm>
+          <a:prstGeom prst="rect">
+            <a:avLst/>
+          </a:prstGeom>
+          <a:noFill/>
+        </p:spPr>
+        <p:txBody>
+          <a:bodyPr wrap="none" rtlCol="0">
+            <a:spAutoFit/>
+          </a:bodyPr>
+          <a:lstStyle/>
+          <a:p>
+            <a:r>
+              <a:rPr lang="zh-TW" altLang="en-US" dirty="0">
+                <a:solidFill>
+                  <a:schemeClr val="bg1"/>
+                </a:solidFill>
+              </a:rPr>
+              <a:t>去除框線跟背景 點擊時觸發 </a:t>
+            </a:r>
+            <a:r>
+              <a:rPr lang="en-US" altLang="zh-TW" dirty="0">
+                <a:solidFill>
+                  <a:schemeClr val="bg1"/>
+                </a:solidFill>
+              </a:rPr>
+              <a:t>JS</a:t>
+            </a:r>
+            <a:r>
+              <a:rPr lang="zh-TW" altLang="en-US" dirty="0">
+                <a:solidFill>
+                  <a:schemeClr val="bg1"/>
+                </a:solidFill>
+              </a:rPr>
+              <a:t> </a:t>
+            </a:r>
+            <a:r>
+              <a:rPr lang="en-US" altLang="zh-TW" dirty="0">
+                <a:solidFill>
+                  <a:schemeClr val="bg1"/>
+                </a:solidFill>
+              </a:rPr>
+              <a:t>function</a:t>
+            </a:r>
+            <a:endParaRPr lang="zh-TW" altLang="en-US" dirty="0">
+              <a:solidFill>
+                <a:schemeClr val="bg1"/>
+              </a:solidFill>
+            </a:endParaRPr>
+          </a:p>
+        </p:txBody>
+      </p:sp>
+      <p:sp>
+        <p:nvSpPr>
+          <p:cNvPr id="11" name="文字方塊 10">
+            <a:extLst>
+              <a:ext uri="{FF2B5EF4-FFF2-40B4-BE49-F238E27FC236}">
+                <a16:creationId xmlns:a16="http://schemas.microsoft.com/office/drawing/2014/main" id="{997F7A83-8F22-59BD-F718-A28F183E4D40}"/>
+              </a:ext>
+            </a:extLst>
+          </p:cNvPr>
+          <p:cNvSpPr txBox="1"/>
+          <p:nvPr/>
+        </p:nvSpPr>
+        <p:spPr>
+          <a:xfrm>
+            <a:off x="2829580" y="4878457"/>
+            <a:ext cx="2839239" cy="369332"/>
+          </a:xfrm>
+          <a:prstGeom prst="rect">
+            <a:avLst/>
+          </a:prstGeom>
+          <a:noFill/>
+        </p:spPr>
+        <p:txBody>
+          <a:bodyPr wrap="none" rtlCol="0">
+            <a:spAutoFit/>
+          </a:bodyPr>
+          <a:lstStyle/>
+          <a:p>
+            <a:r>
+              <a:rPr lang="zh-TW" altLang="en-US" dirty="0">
+                <a:solidFill>
+                  <a:schemeClr val="bg1"/>
+                </a:solidFill>
+              </a:rPr>
+              <a:t>點擊</a:t>
+            </a:r>
+            <a:r>
+              <a:rPr lang="en-US" altLang="zh-TW" dirty="0">
+                <a:solidFill>
+                  <a:schemeClr val="bg1"/>
+                </a:solidFill>
+              </a:rPr>
+              <a:t>#</a:t>
+            </a:r>
+            <a:r>
+              <a:rPr lang="zh-TW" altLang="en-US" dirty="0">
+                <a:solidFill>
+                  <a:schemeClr val="bg1"/>
+                </a:solidFill>
+              </a:rPr>
+              <a:t>可以回到頁面最上方</a:t>
+            </a:r>
           </a:p>
         </p:txBody>
       </p:sp>
@@ -6294,7 +8103,7 @@
           <a:bodyPr/>
           <a:lstStyle/>
           <a:p>
-            <a:endParaRPr lang="zh-TW" altLang="en-US"/>
+            <a:endParaRPr lang="zh-TW" altLang="en-US" dirty="0"/>
           </a:p>
         </p:txBody>
       </p:sp>
@@ -7102,6 +8911,84 @@
           </a:p>
         </p:txBody>
       </p:sp>
+      <p:sp>
+        <p:nvSpPr>
+          <p:cNvPr id="7" name="文字方塊 6">
+            <a:extLst>
+              <a:ext uri="{FF2B5EF4-FFF2-40B4-BE49-F238E27FC236}">
+                <a16:creationId xmlns:a16="http://schemas.microsoft.com/office/drawing/2014/main" id="{81A4E0CD-9128-B447-B715-3160925173D7}"/>
+              </a:ext>
+            </a:extLst>
+          </p:cNvPr>
+          <p:cNvSpPr txBox="1"/>
+          <p:nvPr/>
+        </p:nvSpPr>
+        <p:spPr>
+          <a:xfrm>
+            <a:off x="6275423" y="1695744"/>
+            <a:ext cx="2492990" cy="369332"/>
+          </a:xfrm>
+          <a:prstGeom prst="rect">
+            <a:avLst/>
+          </a:prstGeom>
+          <a:noFill/>
+        </p:spPr>
+        <p:txBody>
+          <a:bodyPr wrap="none" rtlCol="0">
+            <a:spAutoFit/>
+          </a:bodyPr>
+          <a:lstStyle/>
+          <a:p>
+            <a:r>
+              <a:rPr lang="zh-TW" altLang="en-US" dirty="0">
+                <a:solidFill>
+                  <a:schemeClr val="bg1"/>
+                </a:solidFill>
+              </a:rPr>
+              <a:t>用絕對定位到頁面右側</a:t>
+            </a:r>
+          </a:p>
+        </p:txBody>
+      </p:sp>
+      <p:sp>
+        <p:nvSpPr>
+          <p:cNvPr id="8" name="文字方塊 7">
+            <a:extLst>
+              <a:ext uri="{FF2B5EF4-FFF2-40B4-BE49-F238E27FC236}">
+                <a16:creationId xmlns:a16="http://schemas.microsoft.com/office/drawing/2014/main" id="{EB030E8E-C902-DBB6-D378-E0622A8C2138}"/>
+              </a:ext>
+            </a:extLst>
+          </p:cNvPr>
+          <p:cNvSpPr txBox="1"/>
+          <p:nvPr/>
+        </p:nvSpPr>
+        <p:spPr>
+          <a:xfrm>
+            <a:off x="8951199" y="2861506"/>
+            <a:ext cx="1107996" cy="369332"/>
+          </a:xfrm>
+          <a:prstGeom prst="rect">
+            <a:avLst/>
+          </a:prstGeom>
+          <a:noFill/>
+        </p:spPr>
+        <p:txBody>
+          <a:bodyPr wrap="none" rtlCol="0">
+            <a:spAutoFit/>
+          </a:bodyPr>
+          <a:lstStyle/>
+          <a:p>
+            <a:r>
+              <a:rPr lang="zh-TW" altLang="en-US" dirty="0">
+                <a:solidFill>
+                  <a:schemeClr val="bg1"/>
+                </a:solidFill>
+              </a:rPr>
+              <a:t>插入陰影</a:t>
+            </a:r>
+          </a:p>
+        </p:txBody>
+      </p:sp>
     </p:spTree>
     <p:extLst>
       <p:ext uri="{BB962C8B-B14F-4D97-AF65-F5344CB8AC3E}">
@@ -7173,7 +9060,12 @@
             <p:ph idx="1"/>
           </p:nvPr>
         </p:nvSpPr>
-        <p:spPr/>
+        <p:spPr>
+          <a:xfrm>
+            <a:off x="843267" y="1806426"/>
+            <a:ext cx="10515600" cy="4351338"/>
+          </a:xfrm>
+        </p:spPr>
         <p:txBody>
           <a:bodyPr/>
           <a:lstStyle/>
@@ -7273,7 +9165,7 @@
           <a:lstStyle/>
           <a:p>
             <a:r>
-              <a:rPr lang="en-US" altLang="zh-TW" b="0">
+              <a:rPr lang="en-US" altLang="zh-TW" b="0" dirty="0">
                 <a:solidFill>
                   <a:srgbClr val="D7BA7D"/>
                 </a:solidFill>
@@ -7283,7 +9175,7 @@
               <a:t>.article</a:t>
             </a:r>
             <a:r>
-              <a:rPr lang="en-US" altLang="zh-TW" b="0">
+              <a:rPr lang="en-US" altLang="zh-TW" b="0" dirty="0">
                 <a:solidFill>
                   <a:srgbClr val="D4D4D4"/>
                 </a:solidFill>
@@ -7295,7 +9187,7 @@
           </a:p>
           <a:p>
             <a:r>
-              <a:rPr lang="en-US" altLang="zh-TW" b="0">
+              <a:rPr lang="en-US" altLang="zh-TW" b="0" dirty="0">
                 <a:solidFill>
                   <a:srgbClr val="D4D4D4"/>
                 </a:solidFill>
@@ -7305,7 +9197,7 @@
               <a:t>    </a:t>
             </a:r>
             <a:r>
-              <a:rPr lang="en-US" altLang="zh-TW" b="0">
+              <a:rPr lang="en-US" altLang="zh-TW" b="0" dirty="0">
                 <a:solidFill>
                   <a:srgbClr val="9CDCFE"/>
                 </a:solidFill>
@@ -7315,7 +9207,7 @@
               <a:t>overflow</a:t>
             </a:r>
             <a:r>
-              <a:rPr lang="en-US" altLang="zh-TW" b="0">
+              <a:rPr lang="en-US" altLang="zh-TW" b="0" dirty="0">
                 <a:solidFill>
                   <a:srgbClr val="D4D4D4"/>
                 </a:solidFill>
@@ -7325,7 +9217,7 @@
               <a:t>: </a:t>
             </a:r>
             <a:r>
-              <a:rPr lang="en-US" altLang="zh-TW" b="0">
+              <a:rPr lang="en-US" altLang="zh-TW" b="0" dirty="0">
                 <a:solidFill>
                   <a:srgbClr val="CE9178"/>
                 </a:solidFill>
@@ -7335,7 +9227,7 @@
               <a:t>hidden</a:t>
             </a:r>
             <a:r>
-              <a:rPr lang="en-US" altLang="zh-TW" b="0">
+              <a:rPr lang="en-US" altLang="zh-TW" b="0" dirty="0">
                 <a:solidFill>
                   <a:srgbClr val="D4D4D4"/>
                 </a:solidFill>
@@ -7347,7 +9239,7 @@
           </a:p>
           <a:p>
             <a:r>
-              <a:rPr lang="en-US" altLang="zh-TW" b="0">
+              <a:rPr lang="en-US" altLang="zh-TW" b="0" dirty="0">
                 <a:solidFill>
                   <a:srgbClr val="D4D4D4"/>
                 </a:solidFill>
@@ -7357,7 +9249,7 @@
               <a:t>    </a:t>
             </a:r>
             <a:r>
-              <a:rPr lang="en-US" altLang="zh-TW" b="0">
+              <a:rPr lang="en-US" altLang="zh-TW" b="0" dirty="0">
                 <a:solidFill>
                   <a:srgbClr val="9CDCFE"/>
                 </a:solidFill>
@@ -7367,7 +9259,7 @@
               <a:t>display</a:t>
             </a:r>
             <a:r>
-              <a:rPr lang="en-US" altLang="zh-TW" b="0">
+              <a:rPr lang="en-US" altLang="zh-TW" b="0" dirty="0">
                 <a:solidFill>
                   <a:srgbClr val="D4D4D4"/>
                 </a:solidFill>
@@ -7377,7 +9269,7 @@
               <a:t>: </a:t>
             </a:r>
             <a:r>
-              <a:rPr lang="en-US" altLang="zh-TW" b="0">
+              <a:rPr lang="en-US" altLang="zh-TW" b="0" dirty="0">
                 <a:solidFill>
                   <a:srgbClr val="CE9178"/>
                 </a:solidFill>
@@ -7387,7 +9279,7 @@
               <a:t>inline-block</a:t>
             </a:r>
             <a:r>
-              <a:rPr lang="en-US" altLang="zh-TW" b="0">
+              <a:rPr lang="en-US" altLang="zh-TW" b="0" dirty="0">
                 <a:solidFill>
                   <a:srgbClr val="D4D4D4"/>
                 </a:solidFill>
@@ -7399,7 +9291,7 @@
           </a:p>
           <a:p>
             <a:r>
-              <a:rPr lang="en-US" altLang="zh-TW" b="0">
+              <a:rPr lang="en-US" altLang="zh-TW" b="0" dirty="0">
                 <a:solidFill>
                   <a:srgbClr val="D4D4D4"/>
                 </a:solidFill>
@@ -7409,7 +9301,7 @@
               <a:t>    </a:t>
             </a:r>
             <a:r>
-              <a:rPr lang="en-US" altLang="zh-TW" b="0">
+              <a:rPr lang="en-US" altLang="zh-TW" b="0" dirty="0">
                 <a:solidFill>
                   <a:srgbClr val="9CDCFE"/>
                 </a:solidFill>
@@ -7419,7 +9311,7 @@
               <a:t>max-width</a:t>
             </a:r>
             <a:r>
-              <a:rPr lang="en-US" altLang="zh-TW" b="0">
+              <a:rPr lang="en-US" altLang="zh-TW" b="0" dirty="0">
                 <a:solidFill>
                   <a:srgbClr val="D4D4D4"/>
                 </a:solidFill>
@@ -7429,7 +9321,7 @@
               <a:t>: </a:t>
             </a:r>
             <a:r>
-              <a:rPr lang="en-US" altLang="zh-TW" b="0">
+              <a:rPr lang="en-US" altLang="zh-TW" b="0" dirty="0">
                 <a:solidFill>
                   <a:srgbClr val="B5CEA8"/>
                 </a:solidFill>
@@ -7439,7 +9331,7 @@
               <a:t>100%</a:t>
             </a:r>
             <a:r>
-              <a:rPr lang="en-US" altLang="zh-TW" b="0">
+              <a:rPr lang="en-US" altLang="zh-TW" b="0" dirty="0">
                 <a:solidFill>
                   <a:srgbClr val="D4D4D4"/>
                 </a:solidFill>
@@ -7451,7 +9343,7 @@
           </a:p>
           <a:p>
             <a:r>
-              <a:rPr lang="en-US" altLang="zh-TW" b="0">
+              <a:rPr lang="en-US" altLang="zh-TW" b="0" dirty="0">
                 <a:solidFill>
                   <a:srgbClr val="D4D4D4"/>
                 </a:solidFill>
@@ -7461,7 +9353,7 @@
               <a:t>    </a:t>
             </a:r>
             <a:r>
-              <a:rPr lang="en-US" altLang="zh-TW" b="0">
+              <a:rPr lang="en-US" altLang="zh-TW" b="0" dirty="0">
                 <a:solidFill>
                   <a:srgbClr val="9CDCFE"/>
                 </a:solidFill>
@@ -7471,7 +9363,7 @@
               <a:t>text-overflow</a:t>
             </a:r>
             <a:r>
-              <a:rPr lang="en-US" altLang="zh-TW" b="0">
+              <a:rPr lang="en-US" altLang="zh-TW" b="0" dirty="0">
                 <a:solidFill>
                   <a:srgbClr val="D4D4D4"/>
                 </a:solidFill>
@@ -7481,7 +9373,7 @@
               <a:t>: </a:t>
             </a:r>
             <a:r>
-              <a:rPr lang="en-US" altLang="zh-TW" b="0">
+              <a:rPr lang="en-US" altLang="zh-TW" b="0" dirty="0">
                 <a:solidFill>
                   <a:srgbClr val="CE9178"/>
                 </a:solidFill>
@@ -7491,7 +9383,7 @@
               <a:t>ellipsis</a:t>
             </a:r>
             <a:r>
-              <a:rPr lang="en-US" altLang="zh-TW" b="0">
+              <a:rPr lang="en-US" altLang="zh-TW" b="0" dirty="0">
                 <a:solidFill>
                   <a:srgbClr val="D4D4D4"/>
                 </a:solidFill>
@@ -7503,7 +9395,7 @@
           </a:p>
           <a:p>
             <a:r>
-              <a:rPr lang="en-US" altLang="zh-TW" b="0">
+              <a:rPr lang="en-US" altLang="zh-TW" b="0" dirty="0">
                 <a:solidFill>
                   <a:srgbClr val="D4D4D4"/>
                 </a:solidFill>
@@ -7513,7 +9405,7 @@
               <a:t>    </a:t>
             </a:r>
             <a:r>
-              <a:rPr lang="en-US" altLang="zh-TW" b="0">
+              <a:rPr lang="en-US" altLang="zh-TW" b="0" dirty="0" err="1">
                 <a:solidFill>
                   <a:srgbClr val="9CDCFE"/>
                 </a:solidFill>
@@ -7523,7 +9415,7 @@
               <a:t>white-space</a:t>
             </a:r>
             <a:r>
-              <a:rPr lang="en-US" altLang="zh-TW" b="0">
+              <a:rPr lang="en-US" altLang="zh-TW" b="0" dirty="0" err="1">
                 <a:solidFill>
                   <a:srgbClr val="D4D4D4"/>
                 </a:solidFill>
@@ -7533,7 +9425,7 @@
               <a:t>:</a:t>
             </a:r>
             <a:r>
-              <a:rPr lang="en-US" altLang="zh-TW" b="0">
+              <a:rPr lang="en-US" altLang="zh-TW" b="0" dirty="0" err="1">
                 <a:solidFill>
                   <a:srgbClr val="CE9178"/>
                 </a:solidFill>
@@ -7543,7 +9435,7 @@
               <a:t>nowrap</a:t>
             </a:r>
             <a:r>
-              <a:rPr lang="en-US" altLang="zh-TW" b="0">
+              <a:rPr lang="en-US" altLang="zh-TW" b="0" dirty="0">
                 <a:solidFill>
                   <a:srgbClr val="D4D4D4"/>
                 </a:solidFill>
@@ -7555,7 +9447,7 @@
           </a:p>
           <a:p>
             <a:r>
-              <a:rPr lang="en-US" altLang="zh-TW" b="0">
+              <a:rPr lang="en-US" altLang="zh-TW" b="0" dirty="0">
                 <a:solidFill>
                   <a:srgbClr val="D4D4D4"/>
                 </a:solidFill>
@@ -7565,7 +9457,7 @@
               <a:t>    </a:t>
             </a:r>
             <a:r>
-              <a:rPr lang="en-US" altLang="zh-TW" b="0">
+              <a:rPr lang="en-US" altLang="zh-TW" b="0" dirty="0">
                 <a:solidFill>
                   <a:srgbClr val="9CDCFE"/>
                 </a:solidFill>
@@ -7575,7 +9467,7 @@
               <a:t>color</a:t>
             </a:r>
             <a:r>
-              <a:rPr lang="en-US" altLang="zh-TW" b="0">
+              <a:rPr lang="en-US" altLang="zh-TW" b="0" dirty="0">
                 <a:solidFill>
                   <a:srgbClr val="D4D4D4"/>
                 </a:solidFill>
@@ -7585,7 +9477,7 @@
               <a:t>: </a:t>
             </a:r>
             <a:r>
-              <a:rPr lang="en-US" altLang="zh-TW" b="0">
+              <a:rPr lang="en-US" altLang="zh-TW" b="0" dirty="0" err="1">
                 <a:solidFill>
                   <a:srgbClr val="DCDCAA"/>
                 </a:solidFill>
@@ -7595,7 +9487,7 @@
               <a:t>rgb</a:t>
             </a:r>
             <a:r>
-              <a:rPr lang="en-US" altLang="zh-TW" b="0">
+              <a:rPr lang="en-US" altLang="zh-TW" b="0" dirty="0">
                 <a:solidFill>
                   <a:srgbClr val="D4D4D4"/>
                 </a:solidFill>
@@ -7605,7 +9497,7 @@
               <a:t>(</a:t>
             </a:r>
             <a:r>
-              <a:rPr lang="en-US" altLang="zh-TW" b="0">
+              <a:rPr lang="en-US" altLang="zh-TW" b="0" dirty="0">
                 <a:solidFill>
                   <a:srgbClr val="B5CEA8"/>
                 </a:solidFill>
@@ -7615,7 +9507,7 @@
               <a:t>0</a:t>
             </a:r>
             <a:r>
-              <a:rPr lang="en-US" altLang="zh-TW" b="0">
+              <a:rPr lang="en-US" altLang="zh-TW" b="0" dirty="0">
                 <a:solidFill>
                   <a:srgbClr val="D4D4D4"/>
                 </a:solidFill>
@@ -7625,7 +9517,7 @@
               <a:t>, </a:t>
             </a:r>
             <a:r>
-              <a:rPr lang="en-US" altLang="zh-TW" b="0">
+              <a:rPr lang="en-US" altLang="zh-TW" b="0" dirty="0">
                 <a:solidFill>
                   <a:srgbClr val="B5CEA8"/>
                 </a:solidFill>
@@ -7635,7 +9527,7 @@
               <a:t>0</a:t>
             </a:r>
             <a:r>
-              <a:rPr lang="en-US" altLang="zh-TW" b="0">
+              <a:rPr lang="en-US" altLang="zh-TW" b="0" dirty="0">
                 <a:solidFill>
                   <a:srgbClr val="D4D4D4"/>
                 </a:solidFill>
@@ -7645,7 +9537,7 @@
               <a:t>, </a:t>
             </a:r>
             <a:r>
-              <a:rPr lang="en-US" altLang="zh-TW" b="0">
+              <a:rPr lang="en-US" altLang="zh-TW" b="0" dirty="0">
                 <a:solidFill>
                   <a:srgbClr val="B5CEA8"/>
                 </a:solidFill>
@@ -7655,7 +9547,7 @@
               <a:t>0</a:t>
             </a:r>
             <a:r>
-              <a:rPr lang="en-US" altLang="zh-TW" b="0">
+              <a:rPr lang="en-US" altLang="zh-TW" b="0" dirty="0">
                 <a:solidFill>
                   <a:srgbClr val="D4D4D4"/>
                 </a:solidFill>
@@ -7667,7 +9559,7 @@
           </a:p>
           <a:p>
             <a:r>
-              <a:rPr lang="en-US" altLang="zh-TW" b="0">
+              <a:rPr lang="en-US" altLang="zh-TW" b="0" dirty="0">
                 <a:solidFill>
                   <a:srgbClr val="D4D4D4"/>
                 </a:solidFill>
@@ -7677,7 +9569,7 @@
               <a:t>    </a:t>
             </a:r>
             <a:r>
-              <a:rPr lang="en-US" altLang="zh-TW" b="0">
+              <a:rPr lang="en-US" altLang="zh-TW" b="0" dirty="0">
                 <a:solidFill>
                   <a:srgbClr val="6A9955"/>
                 </a:solidFill>
@@ -7685,37 +9577,6 @@
                 <a:latin typeface="Consolas" panose="020B0609020204030204" pitchFamily="49" charset="0"/>
               </a:rPr>
               <a:t>/* box-shadow: 10px 0px 20px 2px black; */</a:t>
-            </a:r>
-            <a:endParaRPr lang="en-US" altLang="zh-TW" b="0">
-              <a:solidFill>
-                <a:srgbClr val="D4D4D4"/>
-              </a:solidFill>
-              <a:effectLst/>
-              <a:latin typeface="Consolas" panose="020B0609020204030204" pitchFamily="49" charset="0"/>
-            </a:endParaRPr>
-          </a:p>
-          <a:p>
-            <a:r>
-              <a:rPr lang="en-US" altLang="zh-TW" b="0">
-                <a:solidFill>
-                  <a:srgbClr val="D4D4D4"/>
-                </a:solidFill>
-                <a:effectLst/>
-                <a:latin typeface="Consolas" panose="020B0609020204030204" pitchFamily="49" charset="0"/>
-              </a:rPr>
-              <a:t>    </a:t>
-            </a:r>
-          </a:p>
-          <a:p>
-            <a:r>
-              <a:rPr lang="en-US" altLang="zh-TW" b="0">
-                <a:solidFill>
-                  <a:srgbClr val="D4D4D4"/>
-                </a:solidFill>
-                <a:effectLst/>
-                <a:latin typeface="Consolas" panose="020B0609020204030204" pitchFamily="49" charset="0"/>
-              </a:rPr>
-              <a:t>}</a:t>
             </a:r>
             <a:endParaRPr lang="en-US" altLang="zh-TW" b="0" dirty="0">
               <a:solidFill>
@@ -7724,6 +9585,30 @@
               <a:effectLst/>
               <a:latin typeface="Consolas" panose="020B0609020204030204" pitchFamily="49" charset="0"/>
             </a:endParaRPr>
+          </a:p>
+          <a:p>
+            <a:r>
+              <a:rPr lang="en-US" altLang="zh-TW" b="0" dirty="0">
+                <a:solidFill>
+                  <a:srgbClr val="D4D4D4"/>
+                </a:solidFill>
+                <a:effectLst/>
+                <a:latin typeface="Consolas" panose="020B0609020204030204" pitchFamily="49" charset="0"/>
+              </a:rPr>
+              <a:t>    </a:t>
+            </a:r>
+          </a:p>
+          <a:p>
+            <a:r>
+              <a:rPr lang="en-US" altLang="zh-TW" b="0" dirty="0">
+                <a:solidFill>
+                  <a:srgbClr val="D4D4D4"/>
+                </a:solidFill>
+                <a:effectLst/>
+                <a:latin typeface="Consolas" panose="020B0609020204030204" pitchFamily="49" charset="0"/>
+              </a:rPr>
+              <a:t>}</a:t>
+            </a:r>
           </a:p>
         </p:txBody>
       </p:sp>
@@ -8067,6 +9952,256 @@
                 <a:latin typeface="Consolas" panose="020B0609020204030204" pitchFamily="49" charset="0"/>
               </a:rPr>
               <a:t>}</a:t>
+            </a:r>
+          </a:p>
+        </p:txBody>
+      </p:sp>
+      <p:sp>
+        <p:nvSpPr>
+          <p:cNvPr id="8" name="文字方塊 7">
+            <a:extLst>
+              <a:ext uri="{FF2B5EF4-FFF2-40B4-BE49-F238E27FC236}">
+                <a16:creationId xmlns:a16="http://schemas.microsoft.com/office/drawing/2014/main" id="{B904451B-B368-6B6F-9133-4D7FBCB0230A}"/>
+              </a:ext>
+            </a:extLst>
+          </p:cNvPr>
+          <p:cNvSpPr txBox="1"/>
+          <p:nvPr/>
+        </p:nvSpPr>
+        <p:spPr>
+          <a:xfrm>
+            <a:off x="7420830" y="2065864"/>
+            <a:ext cx="1800493" cy="369332"/>
+          </a:xfrm>
+          <a:prstGeom prst="rect">
+            <a:avLst/>
+          </a:prstGeom>
+          <a:noFill/>
+        </p:spPr>
+        <p:txBody>
+          <a:bodyPr wrap="none" rtlCol="0">
+            <a:spAutoFit/>
+          </a:bodyPr>
+          <a:lstStyle/>
+          <a:p>
+            <a:r>
+              <a:rPr lang="zh-TW" altLang="en-US" dirty="0">
+                <a:solidFill>
+                  <a:schemeClr val="bg1"/>
+                </a:solidFill>
+              </a:rPr>
+              <a:t>隱藏超出的部分</a:t>
+            </a:r>
+          </a:p>
+        </p:txBody>
+      </p:sp>
+      <p:sp>
+        <p:nvSpPr>
+          <p:cNvPr id="10" name="文字方塊 9">
+            <a:extLst>
+              <a:ext uri="{FF2B5EF4-FFF2-40B4-BE49-F238E27FC236}">
+                <a16:creationId xmlns:a16="http://schemas.microsoft.com/office/drawing/2014/main" id="{8AB773F8-020E-3F57-FCFC-E4B6319F4FCC}"/>
+              </a:ext>
+            </a:extLst>
+          </p:cNvPr>
+          <p:cNvSpPr txBox="1"/>
+          <p:nvPr/>
+        </p:nvSpPr>
+        <p:spPr>
+          <a:xfrm>
+            <a:off x="7942562" y="2385467"/>
+            <a:ext cx="2031325" cy="369332"/>
+          </a:xfrm>
+          <a:prstGeom prst="rect">
+            <a:avLst/>
+          </a:prstGeom>
+          <a:noFill/>
+        </p:spPr>
+        <p:txBody>
+          <a:bodyPr wrap="none" rtlCol="0">
+            <a:spAutoFit/>
+          </a:bodyPr>
+          <a:lstStyle/>
+          <a:p>
+            <a:r>
+              <a:rPr lang="zh-TW" altLang="en-US" dirty="0">
+                <a:solidFill>
+                  <a:schemeClr val="bg1"/>
+                </a:solidFill>
+              </a:rPr>
+              <a:t>只會顯示在區塊內</a:t>
+            </a:r>
+          </a:p>
+        </p:txBody>
+      </p:sp>
+      <p:sp>
+        <p:nvSpPr>
+          <p:cNvPr id="12" name="文字方塊 11">
+            <a:extLst>
+              <a:ext uri="{FF2B5EF4-FFF2-40B4-BE49-F238E27FC236}">
+                <a16:creationId xmlns:a16="http://schemas.microsoft.com/office/drawing/2014/main" id="{2C78937A-BDD7-D76B-1D2E-BA318FDF984B}"/>
+              </a:ext>
+            </a:extLst>
+          </p:cNvPr>
+          <p:cNvSpPr txBox="1"/>
+          <p:nvPr/>
+        </p:nvSpPr>
+        <p:spPr>
+          <a:xfrm>
+            <a:off x="8135590" y="2906809"/>
+            <a:ext cx="2435282" cy="369332"/>
+          </a:xfrm>
+          <a:prstGeom prst="rect">
+            <a:avLst/>
+          </a:prstGeom>
+          <a:noFill/>
+        </p:spPr>
+        <p:txBody>
+          <a:bodyPr wrap="none" rtlCol="0">
+            <a:spAutoFit/>
+          </a:bodyPr>
+          <a:lstStyle/>
+          <a:p>
+            <a:r>
+              <a:rPr lang="zh-TW" altLang="en-US" dirty="0">
+                <a:solidFill>
+                  <a:schemeClr val="bg1"/>
+                </a:solidFill>
+              </a:rPr>
+              <a:t>被隱藏的部分用</a:t>
+            </a:r>
+            <a:r>
+              <a:rPr lang="en-US" altLang="zh-TW" dirty="0">
+                <a:solidFill>
+                  <a:schemeClr val="bg1"/>
+                </a:solidFill>
+              </a:rPr>
+              <a:t>…</a:t>
+            </a:r>
+            <a:r>
+              <a:rPr lang="zh-TW" altLang="en-US" dirty="0">
+                <a:solidFill>
+                  <a:schemeClr val="bg1"/>
+                </a:solidFill>
+              </a:rPr>
+              <a:t>代替</a:t>
+            </a:r>
+          </a:p>
+        </p:txBody>
+      </p:sp>
+      <p:sp>
+        <p:nvSpPr>
+          <p:cNvPr id="14" name="文字方塊 13">
+            <a:extLst>
+              <a:ext uri="{FF2B5EF4-FFF2-40B4-BE49-F238E27FC236}">
+                <a16:creationId xmlns:a16="http://schemas.microsoft.com/office/drawing/2014/main" id="{3C443DD3-9244-2B34-E6E4-9B1F7AA4B2E6}"/>
+              </a:ext>
+            </a:extLst>
+          </p:cNvPr>
+          <p:cNvSpPr txBox="1"/>
+          <p:nvPr/>
+        </p:nvSpPr>
+        <p:spPr>
+          <a:xfrm>
+            <a:off x="7575585" y="3192239"/>
+            <a:ext cx="1338828" cy="369332"/>
+          </a:xfrm>
+          <a:prstGeom prst="rect">
+            <a:avLst/>
+          </a:prstGeom>
+          <a:noFill/>
+        </p:spPr>
+        <p:txBody>
+          <a:bodyPr wrap="none" rtlCol="0">
+            <a:spAutoFit/>
+          </a:bodyPr>
+          <a:lstStyle/>
+          <a:p>
+            <a:r>
+              <a:rPr lang="zh-TW" altLang="en-US" dirty="0">
+                <a:solidFill>
+                  <a:schemeClr val="bg1"/>
+                </a:solidFill>
+              </a:rPr>
+              <a:t>強制不換行</a:t>
+            </a:r>
+          </a:p>
+        </p:txBody>
+      </p:sp>
+      <p:sp>
+        <p:nvSpPr>
+          <p:cNvPr id="15" name="文字方塊 14">
+            <a:extLst>
+              <a:ext uri="{FF2B5EF4-FFF2-40B4-BE49-F238E27FC236}">
+                <a16:creationId xmlns:a16="http://schemas.microsoft.com/office/drawing/2014/main" id="{F3EEDDD1-D07C-F09C-A1D3-414F7F67ABE1}"/>
+              </a:ext>
+            </a:extLst>
+          </p:cNvPr>
+          <p:cNvSpPr txBox="1"/>
+          <p:nvPr/>
+        </p:nvSpPr>
+        <p:spPr>
+          <a:xfrm>
+            <a:off x="7552738" y="5788569"/>
+            <a:ext cx="1800493" cy="369332"/>
+          </a:xfrm>
+          <a:prstGeom prst="rect">
+            <a:avLst/>
+          </a:prstGeom>
+          <a:noFill/>
+        </p:spPr>
+        <p:txBody>
+          <a:bodyPr wrap="none" rtlCol="0">
+            <a:spAutoFit/>
+          </a:bodyPr>
+          <a:lstStyle/>
+          <a:p>
+            <a:r>
+              <a:rPr lang="zh-TW" altLang="en-US" dirty="0">
+                <a:solidFill>
+                  <a:schemeClr val="bg1"/>
+                </a:solidFill>
+              </a:rPr>
+              <a:t>顯示超出的部分</a:t>
+            </a:r>
+          </a:p>
+        </p:txBody>
+      </p:sp>
+      <p:sp>
+        <p:nvSpPr>
+          <p:cNvPr id="16" name="文字方塊 15">
+            <a:extLst>
+              <a:ext uri="{FF2B5EF4-FFF2-40B4-BE49-F238E27FC236}">
+                <a16:creationId xmlns:a16="http://schemas.microsoft.com/office/drawing/2014/main" id="{191B340D-9FBE-0CC9-F3B6-CDB9311D5691}"/>
+              </a:ext>
+            </a:extLst>
+          </p:cNvPr>
+          <p:cNvSpPr txBox="1"/>
+          <p:nvPr/>
+        </p:nvSpPr>
+        <p:spPr>
+          <a:xfrm>
+            <a:off x="7649306" y="6088836"/>
+            <a:ext cx="1107996" cy="369332"/>
+          </a:xfrm>
+          <a:prstGeom prst="rect">
+            <a:avLst/>
+          </a:prstGeom>
+          <a:noFill/>
+        </p:spPr>
+        <p:txBody>
+          <a:bodyPr wrap="none" rtlCol="0">
+            <a:spAutoFit/>
+          </a:bodyPr>
+          <a:lstStyle/>
+          <a:p>
+            <a:r>
+              <a:rPr lang="zh-TW" altLang="en-US" dirty="0">
+                <a:solidFill>
+                  <a:schemeClr val="bg1"/>
+                </a:solidFill>
+              </a:rPr>
+              <a:t>向左移動</a:t>
             </a:r>
           </a:p>
         </p:txBody>
@@ -10132,6 +12267,417 @@
               </a:solidFill>
               <a:effectLst/>
               <a:latin typeface="Consolas" panose="020B0609020204030204" pitchFamily="49" charset="0"/>
+            </a:endParaRPr>
+          </a:p>
+        </p:txBody>
+      </p:sp>
+      <p:sp>
+        <p:nvSpPr>
+          <p:cNvPr id="7" name="文字方塊 6">
+            <a:extLst>
+              <a:ext uri="{FF2B5EF4-FFF2-40B4-BE49-F238E27FC236}">
+                <a16:creationId xmlns:a16="http://schemas.microsoft.com/office/drawing/2014/main" id="{DBAE6218-FDBC-B5A2-6C07-373CBD6B6519}"/>
+              </a:ext>
+            </a:extLst>
+          </p:cNvPr>
+          <p:cNvSpPr txBox="1"/>
+          <p:nvPr/>
+        </p:nvSpPr>
+        <p:spPr>
+          <a:xfrm>
+            <a:off x="7137400" y="448246"/>
+            <a:ext cx="3205749" cy="369332"/>
+          </a:xfrm>
+          <a:prstGeom prst="rect">
+            <a:avLst/>
+          </a:prstGeom>
+          <a:noFill/>
+        </p:spPr>
+        <p:txBody>
+          <a:bodyPr wrap="none" rtlCol="0">
+            <a:spAutoFit/>
+          </a:bodyPr>
+          <a:lstStyle/>
+          <a:p>
+            <a:r>
+              <a:rPr lang="zh-TW" altLang="en-US" dirty="0">
+                <a:solidFill>
+                  <a:schemeClr val="bg1"/>
+                </a:solidFill>
+              </a:rPr>
+              <a:t>當偵測到變更視窗就執行 </a:t>
+            </a:r>
+            <a:r>
+              <a:rPr lang="en-US" altLang="zh-TW" dirty="0">
+                <a:solidFill>
+                  <a:schemeClr val="bg1"/>
+                </a:solidFill>
+              </a:rPr>
+              <a:t>start</a:t>
+            </a:r>
+            <a:endParaRPr lang="zh-TW" altLang="en-US" dirty="0">
+              <a:solidFill>
+                <a:schemeClr val="bg1"/>
+              </a:solidFill>
+            </a:endParaRPr>
+          </a:p>
+        </p:txBody>
+      </p:sp>
+      <p:sp>
+        <p:nvSpPr>
+          <p:cNvPr id="9" name="文字方塊 8">
+            <a:extLst>
+              <a:ext uri="{FF2B5EF4-FFF2-40B4-BE49-F238E27FC236}">
+                <a16:creationId xmlns:a16="http://schemas.microsoft.com/office/drawing/2014/main" id="{0824132F-6EE3-5C0B-0A6A-F372F8A45B77}"/>
+              </a:ext>
+            </a:extLst>
+          </p:cNvPr>
+          <p:cNvSpPr txBox="1"/>
+          <p:nvPr/>
+        </p:nvSpPr>
+        <p:spPr>
+          <a:xfrm>
+            <a:off x="10203240" y="1069467"/>
+            <a:ext cx="1569660" cy="369332"/>
+          </a:xfrm>
+          <a:prstGeom prst="rect">
+            <a:avLst/>
+          </a:prstGeom>
+          <a:noFill/>
+        </p:spPr>
+        <p:txBody>
+          <a:bodyPr wrap="none" rtlCol="0">
+            <a:spAutoFit/>
+          </a:bodyPr>
+          <a:lstStyle/>
+          <a:p>
+            <a:r>
+              <a:rPr lang="zh-TW" altLang="en-US" dirty="0">
+                <a:solidFill>
+                  <a:schemeClr val="bg1"/>
+                </a:solidFill>
+              </a:rPr>
+              <a:t>取得視窗大小</a:t>
+            </a:r>
+            <a:endParaRPr lang="en-US" altLang="zh-TW" dirty="0">
+              <a:solidFill>
+                <a:schemeClr val="bg1"/>
+              </a:solidFill>
+            </a:endParaRPr>
+          </a:p>
+        </p:txBody>
+      </p:sp>
+      <p:sp>
+        <p:nvSpPr>
+          <p:cNvPr id="10" name="文字方塊 9">
+            <a:extLst>
+              <a:ext uri="{FF2B5EF4-FFF2-40B4-BE49-F238E27FC236}">
+                <a16:creationId xmlns:a16="http://schemas.microsoft.com/office/drawing/2014/main" id="{951B1E97-2B92-DC28-E150-5D5BC66AE57D}"/>
+              </a:ext>
+            </a:extLst>
+          </p:cNvPr>
+          <p:cNvSpPr txBox="1"/>
+          <p:nvPr/>
+        </p:nvSpPr>
+        <p:spPr>
+          <a:xfrm>
+            <a:off x="7104514" y="1254133"/>
+            <a:ext cx="1576072" cy="369332"/>
+          </a:xfrm>
+          <a:prstGeom prst="rect">
+            <a:avLst/>
+          </a:prstGeom>
+          <a:noFill/>
+        </p:spPr>
+        <p:txBody>
+          <a:bodyPr wrap="none" rtlCol="0">
+            <a:spAutoFit/>
+          </a:bodyPr>
+          <a:lstStyle/>
+          <a:p>
+            <a:r>
+              <a:rPr lang="zh-TW" altLang="en-US" dirty="0">
+                <a:solidFill>
+                  <a:schemeClr val="bg1"/>
+                </a:solidFill>
+              </a:rPr>
+              <a:t>視窗小於</a:t>
+            </a:r>
+            <a:r>
+              <a:rPr lang="en-US" altLang="zh-TW" dirty="0">
+                <a:solidFill>
+                  <a:schemeClr val="bg1"/>
+                </a:solidFill>
+              </a:rPr>
+              <a:t>1000</a:t>
+            </a:r>
+          </a:p>
+        </p:txBody>
+      </p:sp>
+      <p:sp>
+        <p:nvSpPr>
+          <p:cNvPr id="11" name="文字方塊 10">
+            <a:extLst>
+              <a:ext uri="{FF2B5EF4-FFF2-40B4-BE49-F238E27FC236}">
+                <a16:creationId xmlns:a16="http://schemas.microsoft.com/office/drawing/2014/main" id="{A8A7E45D-1F87-2C2E-AF62-ED1E047E10BB}"/>
+              </a:ext>
+            </a:extLst>
+          </p:cNvPr>
+          <p:cNvSpPr txBox="1"/>
+          <p:nvPr/>
+        </p:nvSpPr>
+        <p:spPr>
+          <a:xfrm>
+            <a:off x="8105175" y="1666574"/>
+            <a:ext cx="1569660" cy="369332"/>
+          </a:xfrm>
+          <a:prstGeom prst="rect">
+            <a:avLst/>
+          </a:prstGeom>
+          <a:noFill/>
+        </p:spPr>
+        <p:txBody>
+          <a:bodyPr wrap="none" rtlCol="0">
+            <a:spAutoFit/>
+          </a:bodyPr>
+          <a:lstStyle/>
+          <a:p>
+            <a:r>
+              <a:rPr lang="zh-TW" altLang="en-US" dirty="0">
+                <a:solidFill>
+                  <a:schemeClr val="bg1"/>
+                </a:solidFill>
+              </a:rPr>
+              <a:t>取消絕對定位</a:t>
+            </a:r>
+            <a:endParaRPr lang="en-US" altLang="zh-TW" dirty="0">
+              <a:solidFill>
+                <a:schemeClr val="bg1"/>
+              </a:solidFill>
+            </a:endParaRPr>
+          </a:p>
+        </p:txBody>
+      </p:sp>
+      <p:sp>
+        <p:nvSpPr>
+          <p:cNvPr id="12" name="文字方塊 11">
+            <a:extLst>
+              <a:ext uri="{FF2B5EF4-FFF2-40B4-BE49-F238E27FC236}">
+                <a16:creationId xmlns:a16="http://schemas.microsoft.com/office/drawing/2014/main" id="{FB24CB0A-66F1-F71E-E3D6-40CBFEC361BF}"/>
+              </a:ext>
+            </a:extLst>
+          </p:cNvPr>
+          <p:cNvSpPr txBox="1"/>
+          <p:nvPr/>
+        </p:nvSpPr>
+        <p:spPr>
+          <a:xfrm>
+            <a:off x="8161437" y="2103129"/>
+            <a:ext cx="1800493" cy="369332"/>
+          </a:xfrm>
+          <a:prstGeom prst="rect">
+            <a:avLst/>
+          </a:prstGeom>
+          <a:noFill/>
+        </p:spPr>
+        <p:txBody>
+          <a:bodyPr wrap="none" rtlCol="0">
+            <a:spAutoFit/>
+          </a:bodyPr>
+          <a:lstStyle/>
+          <a:p>
+            <a:r>
+              <a:rPr lang="zh-TW" altLang="en-US" dirty="0">
+                <a:solidFill>
+                  <a:schemeClr val="bg1"/>
+                </a:solidFill>
+              </a:rPr>
+              <a:t>調整換位後大小</a:t>
+            </a:r>
+            <a:endParaRPr lang="en-US" altLang="zh-TW" dirty="0">
+              <a:solidFill>
+                <a:schemeClr val="bg1"/>
+              </a:solidFill>
+            </a:endParaRPr>
+          </a:p>
+        </p:txBody>
+      </p:sp>
+      <p:sp>
+        <p:nvSpPr>
+          <p:cNvPr id="13" name="文字方塊 12">
+            <a:extLst>
+              <a:ext uri="{FF2B5EF4-FFF2-40B4-BE49-F238E27FC236}">
+                <a16:creationId xmlns:a16="http://schemas.microsoft.com/office/drawing/2014/main" id="{2BDB6D29-54E1-274F-A586-DE061CEB073F}"/>
+              </a:ext>
+            </a:extLst>
+          </p:cNvPr>
+          <p:cNvSpPr txBox="1"/>
+          <p:nvPr/>
+        </p:nvSpPr>
+        <p:spPr>
+          <a:xfrm>
+            <a:off x="8161437" y="2749965"/>
+            <a:ext cx="3440365" cy="369332"/>
+          </a:xfrm>
+          <a:prstGeom prst="rect">
+            <a:avLst/>
+          </a:prstGeom>
+          <a:noFill/>
+        </p:spPr>
+        <p:txBody>
+          <a:bodyPr wrap="none" rtlCol="0">
+            <a:spAutoFit/>
+          </a:bodyPr>
+          <a:lstStyle/>
+          <a:p>
+            <a:r>
+              <a:rPr lang="zh-TW" altLang="en-US" dirty="0">
+                <a:solidFill>
+                  <a:schemeClr val="bg1"/>
+                </a:solidFill>
+              </a:rPr>
+              <a:t>更改 </a:t>
+            </a:r>
+            <a:r>
+              <a:rPr lang="en-US" altLang="zh-TW" dirty="0">
+                <a:solidFill>
+                  <a:schemeClr val="bg1"/>
+                </a:solidFill>
+              </a:rPr>
+              <a:t>class name </a:t>
+            </a:r>
+            <a:r>
+              <a:rPr lang="zh-TW" altLang="en-US" dirty="0">
+                <a:solidFill>
+                  <a:schemeClr val="bg1"/>
+                </a:solidFill>
+              </a:rPr>
+              <a:t>來改變套用的</a:t>
+            </a:r>
+            <a:r>
+              <a:rPr lang="en-US" altLang="zh-TW" dirty="0" err="1">
+                <a:solidFill>
+                  <a:schemeClr val="bg1"/>
+                </a:solidFill>
+              </a:rPr>
+              <a:t>css</a:t>
+            </a:r>
+            <a:endParaRPr lang="en-US" altLang="zh-TW" dirty="0">
+              <a:solidFill>
+                <a:schemeClr val="bg1"/>
+              </a:solidFill>
+            </a:endParaRPr>
+          </a:p>
+        </p:txBody>
+      </p:sp>
+      <p:sp>
+        <p:nvSpPr>
+          <p:cNvPr id="14" name="文字方塊 13">
+            <a:extLst>
+              <a:ext uri="{FF2B5EF4-FFF2-40B4-BE49-F238E27FC236}">
+                <a16:creationId xmlns:a16="http://schemas.microsoft.com/office/drawing/2014/main" id="{0DAF6472-B9D0-B40F-F735-C0F254591A19}"/>
+              </a:ext>
+            </a:extLst>
+          </p:cNvPr>
+          <p:cNvSpPr txBox="1"/>
+          <p:nvPr/>
+        </p:nvSpPr>
+        <p:spPr>
+          <a:xfrm>
+            <a:off x="8161437" y="4283471"/>
+            <a:ext cx="1569660" cy="369332"/>
+          </a:xfrm>
+          <a:prstGeom prst="rect">
+            <a:avLst/>
+          </a:prstGeom>
+          <a:noFill/>
+        </p:spPr>
+        <p:txBody>
+          <a:bodyPr wrap="none" rtlCol="0">
+            <a:spAutoFit/>
+          </a:bodyPr>
+          <a:lstStyle/>
+          <a:p>
+            <a:r>
+              <a:rPr lang="zh-TW" altLang="en-US" dirty="0">
+                <a:solidFill>
+                  <a:schemeClr val="bg1"/>
+                </a:solidFill>
+              </a:rPr>
+              <a:t>恢復絕對定位</a:t>
+            </a:r>
+            <a:endParaRPr lang="en-US" altLang="zh-TW" dirty="0">
+              <a:solidFill>
+                <a:schemeClr val="bg1"/>
+              </a:solidFill>
+            </a:endParaRPr>
+          </a:p>
+        </p:txBody>
+      </p:sp>
+      <p:sp>
+        <p:nvSpPr>
+          <p:cNvPr id="15" name="文字方塊 14">
+            <a:extLst>
+              <a:ext uri="{FF2B5EF4-FFF2-40B4-BE49-F238E27FC236}">
+                <a16:creationId xmlns:a16="http://schemas.microsoft.com/office/drawing/2014/main" id="{30E38C64-EAD7-0DFA-89BB-0EE90FCFC778}"/>
+              </a:ext>
+            </a:extLst>
+          </p:cNvPr>
+          <p:cNvSpPr txBox="1"/>
+          <p:nvPr/>
+        </p:nvSpPr>
+        <p:spPr>
+          <a:xfrm>
+            <a:off x="7803698" y="3786209"/>
+            <a:ext cx="3440365" cy="369332"/>
+          </a:xfrm>
+          <a:prstGeom prst="rect">
+            <a:avLst/>
+          </a:prstGeom>
+          <a:noFill/>
+        </p:spPr>
+        <p:txBody>
+          <a:bodyPr wrap="none" rtlCol="0">
+            <a:spAutoFit/>
+          </a:bodyPr>
+          <a:lstStyle/>
+          <a:p>
+            <a:r>
+              <a:rPr lang="zh-TW" altLang="en-US" dirty="0">
+                <a:solidFill>
+                  <a:schemeClr val="bg1"/>
+                </a:solidFill>
+              </a:rPr>
+              <a:t>更改 </a:t>
+            </a:r>
+            <a:r>
+              <a:rPr lang="en-US" altLang="zh-TW" dirty="0">
+                <a:solidFill>
+                  <a:schemeClr val="bg1"/>
+                </a:solidFill>
+              </a:rPr>
+              <a:t>class name </a:t>
+            </a:r>
+            <a:r>
+              <a:rPr lang="zh-TW" altLang="en-US" dirty="0">
+                <a:solidFill>
+                  <a:schemeClr val="bg1"/>
+                </a:solidFill>
+              </a:rPr>
+              <a:t>來回復套用的</a:t>
+            </a:r>
+            <a:r>
+              <a:rPr lang="en-US" altLang="zh-TW" dirty="0" err="1">
+                <a:solidFill>
+                  <a:schemeClr val="bg1"/>
+                </a:solidFill>
+              </a:rPr>
+              <a:t>css</a:t>
+            </a:r>
+            <a:endParaRPr lang="en-US" altLang="zh-TW" dirty="0">
+              <a:solidFill>
+                <a:schemeClr val="bg1"/>
+              </a:solidFill>
             </a:endParaRPr>
           </a:p>
         </p:txBody>
@@ -10291,7 +12837,7 @@
         <p:spPr>
           <a:xfrm>
             <a:off x="5201654" y="681037"/>
-            <a:ext cx="6152146" cy="3139321"/>
+            <a:ext cx="6152146" cy="3970318"/>
           </a:xfrm>
           <a:prstGeom prst="rect">
             <a:avLst/>
@@ -10721,362 +13267,6 @@
             </a:r>
           </a:p>
           <a:p>
-            <a:r>
-              <a:rPr lang="en-US" altLang="zh-TW" b="0" dirty="0">
-                <a:solidFill>
-                  <a:srgbClr val="D4D4D4"/>
-                </a:solidFill>
-                <a:effectLst/>
-                <a:latin typeface="Consolas" panose="020B0609020204030204" pitchFamily="49" charset="0"/>
-              </a:rPr>
-              <a:t>    </a:t>
-            </a:r>
-            <a:r>
-              <a:rPr lang="en-US" altLang="zh-TW" b="0" dirty="0" err="1">
-                <a:solidFill>
-                  <a:srgbClr val="9CDCFE"/>
-                </a:solidFill>
-                <a:effectLst/>
-                <a:latin typeface="Consolas" panose="020B0609020204030204" pitchFamily="49" charset="0"/>
-              </a:rPr>
-              <a:t>li</a:t>
-            </a:r>
-            <a:r>
-              <a:rPr lang="en-US" altLang="zh-TW" b="0" dirty="0" err="1">
-                <a:solidFill>
-                  <a:srgbClr val="D4D4D4"/>
-                </a:solidFill>
-                <a:effectLst/>
-                <a:latin typeface="Consolas" panose="020B0609020204030204" pitchFamily="49" charset="0"/>
-              </a:rPr>
-              <a:t>.</a:t>
-            </a:r>
-            <a:r>
-              <a:rPr lang="en-US" altLang="zh-TW" b="0" dirty="0" err="1">
-                <a:solidFill>
-                  <a:srgbClr val="9CDCFE"/>
-                </a:solidFill>
-                <a:effectLst/>
-                <a:latin typeface="Consolas" panose="020B0609020204030204" pitchFamily="49" charset="0"/>
-              </a:rPr>
-              <a:t>innerText</a:t>
-            </a:r>
-            <a:r>
-              <a:rPr lang="en-US" altLang="zh-TW" b="0" dirty="0">
-                <a:solidFill>
-                  <a:srgbClr val="D4D4D4"/>
-                </a:solidFill>
-                <a:effectLst/>
-                <a:latin typeface="Consolas" panose="020B0609020204030204" pitchFamily="49" charset="0"/>
-              </a:rPr>
-              <a:t>=</a:t>
-            </a:r>
-            <a:r>
-              <a:rPr lang="en-US" altLang="zh-TW" b="0" dirty="0">
-                <a:solidFill>
-                  <a:srgbClr val="9CDCFE"/>
-                </a:solidFill>
-                <a:effectLst/>
-                <a:latin typeface="Consolas" panose="020B0609020204030204" pitchFamily="49" charset="0"/>
-              </a:rPr>
-              <a:t>add</a:t>
-            </a:r>
-            <a:r>
-              <a:rPr lang="en-US" altLang="zh-TW" b="0" dirty="0">
-                <a:solidFill>
-                  <a:srgbClr val="D4D4D4"/>
-                </a:solidFill>
-                <a:effectLst/>
-                <a:latin typeface="Consolas" panose="020B0609020204030204" pitchFamily="49" charset="0"/>
-              </a:rPr>
-              <a:t>;</a:t>
-            </a:r>
-          </a:p>
-          <a:p>
-            <a:r>
-              <a:rPr lang="en-US" altLang="zh-TW" b="0" dirty="0">
-                <a:solidFill>
-                  <a:srgbClr val="D4D4D4"/>
-                </a:solidFill>
-                <a:effectLst/>
-                <a:latin typeface="Consolas" panose="020B0609020204030204" pitchFamily="49" charset="0"/>
-              </a:rPr>
-              <a:t>    </a:t>
-            </a:r>
-            <a:r>
-              <a:rPr lang="en-US" altLang="zh-TW" b="0" dirty="0" err="1">
-                <a:solidFill>
-                  <a:srgbClr val="9CDCFE"/>
-                </a:solidFill>
-                <a:effectLst/>
-                <a:latin typeface="Consolas" panose="020B0609020204030204" pitchFamily="49" charset="0"/>
-              </a:rPr>
-              <a:t>ms</a:t>
-            </a:r>
-            <a:r>
-              <a:rPr lang="en-US" altLang="zh-TW" b="0" dirty="0" err="1">
-                <a:solidFill>
-                  <a:srgbClr val="D4D4D4"/>
-                </a:solidFill>
-                <a:effectLst/>
-                <a:latin typeface="Consolas" panose="020B0609020204030204" pitchFamily="49" charset="0"/>
-              </a:rPr>
-              <a:t>.</a:t>
-            </a:r>
-            <a:r>
-              <a:rPr lang="en-US" altLang="zh-TW" b="0" dirty="0" err="1">
-                <a:solidFill>
-                  <a:srgbClr val="DCDCAA"/>
-                </a:solidFill>
-                <a:effectLst/>
-                <a:latin typeface="Consolas" panose="020B0609020204030204" pitchFamily="49" charset="0"/>
-              </a:rPr>
-              <a:t>insertBefore</a:t>
-            </a:r>
-            <a:r>
-              <a:rPr lang="en-US" altLang="zh-TW" b="0" dirty="0">
-                <a:solidFill>
-                  <a:srgbClr val="D4D4D4"/>
-                </a:solidFill>
-                <a:effectLst/>
-                <a:latin typeface="Consolas" panose="020B0609020204030204" pitchFamily="49" charset="0"/>
-              </a:rPr>
-              <a:t>(</a:t>
-            </a:r>
-            <a:r>
-              <a:rPr lang="en-US" altLang="zh-TW" b="0" dirty="0" err="1">
-                <a:solidFill>
-                  <a:srgbClr val="9CDCFE"/>
-                </a:solidFill>
-                <a:effectLst/>
-                <a:latin typeface="Consolas" panose="020B0609020204030204" pitchFamily="49" charset="0"/>
-              </a:rPr>
-              <a:t>li</a:t>
-            </a:r>
-            <a:r>
-              <a:rPr lang="en-US" altLang="zh-TW" b="0" dirty="0" err="1">
-                <a:solidFill>
-                  <a:srgbClr val="D4D4D4"/>
-                </a:solidFill>
-                <a:effectLst/>
-                <a:latin typeface="Consolas" panose="020B0609020204030204" pitchFamily="49" charset="0"/>
-              </a:rPr>
-              <a:t>,</a:t>
-            </a:r>
-            <a:r>
-              <a:rPr lang="en-US" altLang="zh-TW" b="0" dirty="0" err="1">
-                <a:solidFill>
-                  <a:srgbClr val="9CDCFE"/>
-                </a:solidFill>
-                <a:effectLst/>
-                <a:latin typeface="Consolas" panose="020B0609020204030204" pitchFamily="49" charset="0"/>
-              </a:rPr>
-              <a:t>ms</a:t>
-            </a:r>
-            <a:r>
-              <a:rPr lang="en-US" altLang="zh-TW" b="0" dirty="0" err="1">
-                <a:solidFill>
-                  <a:srgbClr val="D4D4D4"/>
-                </a:solidFill>
-                <a:effectLst/>
-                <a:latin typeface="Consolas" panose="020B0609020204030204" pitchFamily="49" charset="0"/>
-              </a:rPr>
-              <a:t>.</a:t>
-            </a:r>
-            <a:r>
-              <a:rPr lang="en-US" altLang="zh-TW" b="0" dirty="0" err="1">
-                <a:solidFill>
-                  <a:srgbClr val="4FC1FF"/>
-                </a:solidFill>
-                <a:effectLst/>
-                <a:latin typeface="Consolas" panose="020B0609020204030204" pitchFamily="49" charset="0"/>
-              </a:rPr>
-              <a:t>children</a:t>
-            </a:r>
-            <a:r>
-              <a:rPr lang="en-US" altLang="zh-TW" b="0" dirty="0">
-                <a:solidFill>
-                  <a:srgbClr val="D4D4D4"/>
-                </a:solidFill>
-                <a:effectLst/>
-                <a:latin typeface="Consolas" panose="020B0609020204030204" pitchFamily="49" charset="0"/>
-              </a:rPr>
-              <a:t>[</a:t>
-            </a:r>
-            <a:r>
-              <a:rPr lang="en-US" altLang="zh-TW" b="0" dirty="0">
-                <a:solidFill>
-                  <a:srgbClr val="B5CEA8"/>
-                </a:solidFill>
-                <a:effectLst/>
-                <a:latin typeface="Consolas" panose="020B0609020204030204" pitchFamily="49" charset="0"/>
-              </a:rPr>
-              <a:t>0</a:t>
-            </a:r>
-            <a:r>
-              <a:rPr lang="en-US" altLang="zh-TW" b="0" dirty="0">
-                <a:solidFill>
-                  <a:srgbClr val="D4D4D4"/>
-                </a:solidFill>
-                <a:effectLst/>
-                <a:latin typeface="Consolas" panose="020B0609020204030204" pitchFamily="49" charset="0"/>
-              </a:rPr>
-              <a:t>]);</a:t>
-            </a:r>
-          </a:p>
-          <a:p>
-            <a:r>
-              <a:rPr lang="en-US" altLang="zh-TW" b="0" dirty="0">
-                <a:solidFill>
-                  <a:srgbClr val="D4D4D4"/>
-                </a:solidFill>
-                <a:effectLst/>
-                <a:latin typeface="Consolas" panose="020B0609020204030204" pitchFamily="49" charset="0"/>
-              </a:rPr>
-              <a:t>    </a:t>
-            </a:r>
-            <a:r>
-              <a:rPr lang="en-US" altLang="zh-TW" b="0" dirty="0" err="1">
-                <a:solidFill>
-                  <a:srgbClr val="9CDCFE"/>
-                </a:solidFill>
-                <a:effectLst/>
-                <a:latin typeface="Consolas" panose="020B0609020204030204" pitchFamily="49" charset="0"/>
-              </a:rPr>
-              <a:t>document</a:t>
-            </a:r>
-            <a:r>
-              <a:rPr lang="en-US" altLang="zh-TW" b="0" dirty="0" err="1">
-                <a:solidFill>
-                  <a:srgbClr val="D4D4D4"/>
-                </a:solidFill>
-                <a:effectLst/>
-                <a:latin typeface="Consolas" panose="020B0609020204030204" pitchFamily="49" charset="0"/>
-              </a:rPr>
-              <a:t>.</a:t>
-            </a:r>
-            <a:r>
-              <a:rPr lang="en-US" altLang="zh-TW" b="0" dirty="0" err="1">
-                <a:solidFill>
-                  <a:srgbClr val="DCDCAA"/>
-                </a:solidFill>
-                <a:effectLst/>
-                <a:latin typeface="Consolas" panose="020B0609020204030204" pitchFamily="49" charset="0"/>
-              </a:rPr>
-              <a:t>getElementById</a:t>
-            </a:r>
-            <a:r>
-              <a:rPr lang="en-US" altLang="zh-TW" b="0" dirty="0">
-                <a:solidFill>
-                  <a:srgbClr val="D4D4D4"/>
-                </a:solidFill>
-                <a:effectLst/>
-                <a:latin typeface="Consolas" panose="020B0609020204030204" pitchFamily="49" charset="0"/>
-              </a:rPr>
-              <a:t>(</a:t>
-            </a:r>
-            <a:r>
-              <a:rPr lang="en-US" altLang="zh-TW" b="0" dirty="0">
-                <a:solidFill>
-                  <a:srgbClr val="CE9178"/>
-                </a:solidFill>
-                <a:effectLst/>
-                <a:latin typeface="Consolas" panose="020B0609020204030204" pitchFamily="49" charset="0"/>
-              </a:rPr>
-              <a:t>"text"</a:t>
-            </a:r>
-            <a:r>
-              <a:rPr lang="en-US" altLang="zh-TW" b="0" dirty="0">
-                <a:solidFill>
-                  <a:srgbClr val="D4D4D4"/>
-                </a:solidFill>
-                <a:effectLst/>
-                <a:latin typeface="Consolas" panose="020B0609020204030204" pitchFamily="49" charset="0"/>
-              </a:rPr>
-              <a:t>).</a:t>
-            </a:r>
-            <a:r>
-              <a:rPr lang="en-US" altLang="zh-TW" b="0" dirty="0">
-                <a:solidFill>
-                  <a:srgbClr val="9CDCFE"/>
-                </a:solidFill>
-                <a:effectLst/>
-                <a:latin typeface="Consolas" panose="020B0609020204030204" pitchFamily="49" charset="0"/>
-              </a:rPr>
-              <a:t>value</a:t>
-            </a:r>
-            <a:r>
-              <a:rPr lang="en-US" altLang="zh-TW" b="0" dirty="0">
-                <a:solidFill>
-                  <a:srgbClr val="D4D4D4"/>
-                </a:solidFill>
-                <a:effectLst/>
-                <a:latin typeface="Consolas" panose="020B0609020204030204" pitchFamily="49" charset="0"/>
-              </a:rPr>
-              <a:t> = </a:t>
-            </a:r>
-            <a:r>
-              <a:rPr lang="en-US" altLang="zh-TW" b="0" dirty="0">
-                <a:solidFill>
-                  <a:srgbClr val="CE9178"/>
-                </a:solidFill>
-                <a:effectLst/>
-                <a:latin typeface="Consolas" panose="020B0609020204030204" pitchFamily="49" charset="0"/>
-              </a:rPr>
-              <a:t>" "</a:t>
-            </a:r>
-            <a:r>
-              <a:rPr lang="en-US" altLang="zh-TW" b="0" dirty="0">
-                <a:solidFill>
-                  <a:srgbClr val="D4D4D4"/>
-                </a:solidFill>
-                <a:effectLst/>
-                <a:latin typeface="Consolas" panose="020B0609020204030204" pitchFamily="49" charset="0"/>
-              </a:rPr>
-              <a:t>;</a:t>
-            </a:r>
-          </a:p>
-          <a:p>
-            <a:r>
-              <a:rPr lang="en-US" altLang="zh-TW" b="0" dirty="0">
-                <a:solidFill>
-                  <a:srgbClr val="D4D4D4"/>
-                </a:solidFill>
-                <a:effectLst/>
-                <a:latin typeface="Consolas" panose="020B0609020204030204" pitchFamily="49" charset="0"/>
-              </a:rPr>
-              <a:t>    </a:t>
-            </a:r>
-            <a:r>
-              <a:rPr lang="en-US" altLang="zh-TW" b="0" dirty="0">
-                <a:solidFill>
-                  <a:srgbClr val="6A9955"/>
-                </a:solidFill>
-                <a:effectLst/>
-                <a:latin typeface="Consolas" panose="020B0609020204030204" pitchFamily="49" charset="0"/>
-              </a:rPr>
-              <a:t>// alert(</a:t>
-            </a:r>
-            <a:r>
-              <a:rPr lang="en-US" altLang="zh-TW" b="0" dirty="0" err="1">
-                <a:solidFill>
-                  <a:srgbClr val="6A9955"/>
-                </a:solidFill>
-                <a:effectLst/>
-                <a:latin typeface="Consolas" panose="020B0609020204030204" pitchFamily="49" charset="0"/>
-              </a:rPr>
-              <a:t>ms</a:t>
-            </a:r>
-            <a:r>
-              <a:rPr lang="en-US" altLang="zh-TW" b="0" dirty="0">
-                <a:solidFill>
-                  <a:srgbClr val="6A9955"/>
-                </a:solidFill>
-                <a:effectLst/>
-                <a:latin typeface="Consolas" panose="020B0609020204030204" pitchFamily="49" charset="0"/>
-              </a:rPr>
-              <a:t>)</a:t>
-            </a:r>
             <a:endParaRPr lang="en-US" altLang="zh-TW" b="0" dirty="0">
               <a:solidFill>
                 <a:srgbClr val="D4D4D4"/>
@@ -11094,8 +13284,646 @@
                 <a:effectLst/>
                 <a:latin typeface="Consolas" panose="020B0609020204030204" pitchFamily="49" charset="0"/>
               </a:rPr>
+              <a:t>    </a:t>
+            </a:r>
+            <a:r>
+              <a:rPr lang="en-US" altLang="zh-TW" b="0" dirty="0" err="1">
+                <a:solidFill>
+                  <a:srgbClr val="9CDCFE"/>
+                </a:solidFill>
+                <a:effectLst/>
+                <a:latin typeface="Consolas" panose="020B0609020204030204" pitchFamily="49" charset="0"/>
+              </a:rPr>
+              <a:t>li</a:t>
+            </a:r>
+            <a:r>
+              <a:rPr lang="en-US" altLang="zh-TW" b="0" dirty="0" err="1">
+                <a:solidFill>
+                  <a:srgbClr val="D4D4D4"/>
+                </a:solidFill>
+                <a:effectLst/>
+                <a:latin typeface="Consolas" panose="020B0609020204030204" pitchFamily="49" charset="0"/>
+              </a:rPr>
+              <a:t>.</a:t>
+            </a:r>
+            <a:r>
+              <a:rPr lang="en-US" altLang="zh-TW" b="0" dirty="0" err="1">
+                <a:solidFill>
+                  <a:srgbClr val="9CDCFE"/>
+                </a:solidFill>
+                <a:effectLst/>
+                <a:latin typeface="Consolas" panose="020B0609020204030204" pitchFamily="49" charset="0"/>
+              </a:rPr>
+              <a:t>innerText</a:t>
+            </a:r>
+            <a:r>
+              <a:rPr lang="en-US" altLang="zh-TW" b="0" dirty="0">
+                <a:solidFill>
+                  <a:srgbClr val="D4D4D4"/>
+                </a:solidFill>
+                <a:effectLst/>
+                <a:latin typeface="Consolas" panose="020B0609020204030204" pitchFamily="49" charset="0"/>
+              </a:rPr>
+              <a:t>=</a:t>
+            </a:r>
+            <a:r>
+              <a:rPr lang="en-US" altLang="zh-TW" b="0" dirty="0">
+                <a:solidFill>
+                  <a:srgbClr val="9CDCFE"/>
+                </a:solidFill>
+                <a:effectLst/>
+                <a:latin typeface="Consolas" panose="020B0609020204030204" pitchFamily="49" charset="0"/>
+              </a:rPr>
+              <a:t>add</a:t>
+            </a:r>
+            <a:r>
+              <a:rPr lang="en-US" altLang="zh-TW" b="0" dirty="0">
+                <a:solidFill>
+                  <a:srgbClr val="D4D4D4"/>
+                </a:solidFill>
+                <a:effectLst/>
+                <a:latin typeface="Consolas" panose="020B0609020204030204" pitchFamily="49" charset="0"/>
+              </a:rPr>
+              <a:t>;</a:t>
+            </a:r>
+          </a:p>
+          <a:p>
+            <a:endParaRPr lang="en-US" altLang="zh-TW" b="0" dirty="0">
+              <a:solidFill>
+                <a:srgbClr val="D4D4D4"/>
+              </a:solidFill>
+              <a:effectLst/>
+              <a:latin typeface="Consolas" panose="020B0609020204030204" pitchFamily="49" charset="0"/>
+            </a:endParaRPr>
+          </a:p>
+          <a:p>
+            <a:r>
+              <a:rPr lang="en-US" altLang="zh-TW" b="0" dirty="0">
+                <a:solidFill>
+                  <a:srgbClr val="D4D4D4"/>
+                </a:solidFill>
+                <a:effectLst/>
+                <a:latin typeface="Consolas" panose="020B0609020204030204" pitchFamily="49" charset="0"/>
+              </a:rPr>
+              <a:t>    </a:t>
+            </a:r>
+            <a:r>
+              <a:rPr lang="en-US" altLang="zh-TW" b="0" dirty="0" err="1">
+                <a:solidFill>
+                  <a:srgbClr val="9CDCFE"/>
+                </a:solidFill>
+                <a:effectLst/>
+                <a:latin typeface="Consolas" panose="020B0609020204030204" pitchFamily="49" charset="0"/>
+              </a:rPr>
+              <a:t>ms</a:t>
+            </a:r>
+            <a:r>
+              <a:rPr lang="en-US" altLang="zh-TW" b="0" dirty="0" err="1">
+                <a:solidFill>
+                  <a:srgbClr val="D4D4D4"/>
+                </a:solidFill>
+                <a:effectLst/>
+                <a:latin typeface="Consolas" panose="020B0609020204030204" pitchFamily="49" charset="0"/>
+              </a:rPr>
+              <a:t>.</a:t>
+            </a:r>
+            <a:r>
+              <a:rPr lang="en-US" altLang="zh-TW" b="0" dirty="0" err="1">
+                <a:solidFill>
+                  <a:srgbClr val="DCDCAA"/>
+                </a:solidFill>
+                <a:effectLst/>
+                <a:latin typeface="Consolas" panose="020B0609020204030204" pitchFamily="49" charset="0"/>
+              </a:rPr>
+              <a:t>insertBefore</a:t>
+            </a:r>
+            <a:r>
+              <a:rPr lang="en-US" altLang="zh-TW" b="0" dirty="0">
+                <a:solidFill>
+                  <a:srgbClr val="D4D4D4"/>
+                </a:solidFill>
+                <a:effectLst/>
+                <a:latin typeface="Consolas" panose="020B0609020204030204" pitchFamily="49" charset="0"/>
+              </a:rPr>
+              <a:t>(</a:t>
+            </a:r>
+            <a:r>
+              <a:rPr lang="en-US" altLang="zh-TW" b="0" dirty="0" err="1">
+                <a:solidFill>
+                  <a:srgbClr val="9CDCFE"/>
+                </a:solidFill>
+                <a:effectLst/>
+                <a:latin typeface="Consolas" panose="020B0609020204030204" pitchFamily="49" charset="0"/>
+              </a:rPr>
+              <a:t>li</a:t>
+            </a:r>
+            <a:r>
+              <a:rPr lang="en-US" altLang="zh-TW" b="0" dirty="0" err="1">
+                <a:solidFill>
+                  <a:srgbClr val="D4D4D4"/>
+                </a:solidFill>
+                <a:effectLst/>
+                <a:latin typeface="Consolas" panose="020B0609020204030204" pitchFamily="49" charset="0"/>
+              </a:rPr>
+              <a:t>,</a:t>
+            </a:r>
+            <a:r>
+              <a:rPr lang="en-US" altLang="zh-TW" b="0" dirty="0" err="1">
+                <a:solidFill>
+                  <a:srgbClr val="9CDCFE"/>
+                </a:solidFill>
+                <a:effectLst/>
+                <a:latin typeface="Consolas" panose="020B0609020204030204" pitchFamily="49" charset="0"/>
+              </a:rPr>
+              <a:t>ms</a:t>
+            </a:r>
+            <a:r>
+              <a:rPr lang="en-US" altLang="zh-TW" b="0" dirty="0" err="1">
+                <a:solidFill>
+                  <a:srgbClr val="D4D4D4"/>
+                </a:solidFill>
+                <a:effectLst/>
+                <a:latin typeface="Consolas" panose="020B0609020204030204" pitchFamily="49" charset="0"/>
+              </a:rPr>
+              <a:t>.</a:t>
+            </a:r>
+            <a:r>
+              <a:rPr lang="en-US" altLang="zh-TW" b="0" dirty="0" err="1">
+                <a:solidFill>
+                  <a:srgbClr val="4FC1FF"/>
+                </a:solidFill>
+                <a:effectLst/>
+                <a:latin typeface="Consolas" panose="020B0609020204030204" pitchFamily="49" charset="0"/>
+              </a:rPr>
+              <a:t>children</a:t>
+            </a:r>
+            <a:r>
+              <a:rPr lang="en-US" altLang="zh-TW" b="0" dirty="0">
+                <a:solidFill>
+                  <a:srgbClr val="D4D4D4"/>
+                </a:solidFill>
+                <a:effectLst/>
+                <a:latin typeface="Consolas" panose="020B0609020204030204" pitchFamily="49" charset="0"/>
+              </a:rPr>
+              <a:t>[</a:t>
+            </a:r>
+            <a:r>
+              <a:rPr lang="en-US" altLang="zh-TW" b="0" dirty="0">
+                <a:solidFill>
+                  <a:srgbClr val="B5CEA8"/>
+                </a:solidFill>
+                <a:effectLst/>
+                <a:latin typeface="Consolas" panose="020B0609020204030204" pitchFamily="49" charset="0"/>
+              </a:rPr>
+              <a:t>0</a:t>
+            </a:r>
+            <a:r>
+              <a:rPr lang="en-US" altLang="zh-TW" b="0" dirty="0">
+                <a:solidFill>
+                  <a:srgbClr val="D4D4D4"/>
+                </a:solidFill>
+                <a:effectLst/>
+                <a:latin typeface="Consolas" panose="020B0609020204030204" pitchFamily="49" charset="0"/>
+              </a:rPr>
+              <a:t>]);</a:t>
+            </a:r>
+          </a:p>
+          <a:p>
+            <a:endParaRPr lang="en-US" altLang="zh-TW" b="0" dirty="0">
+              <a:solidFill>
+                <a:srgbClr val="D4D4D4"/>
+              </a:solidFill>
+              <a:effectLst/>
+              <a:latin typeface="Consolas" panose="020B0609020204030204" pitchFamily="49" charset="0"/>
+            </a:endParaRPr>
+          </a:p>
+          <a:p>
+            <a:r>
+              <a:rPr lang="en-US" altLang="zh-TW" b="0" dirty="0">
+                <a:solidFill>
+                  <a:srgbClr val="D4D4D4"/>
+                </a:solidFill>
+                <a:effectLst/>
+                <a:latin typeface="Consolas" panose="020B0609020204030204" pitchFamily="49" charset="0"/>
+              </a:rPr>
+              <a:t>    </a:t>
+            </a:r>
+            <a:r>
+              <a:rPr lang="en-US" altLang="zh-TW" b="0" dirty="0" err="1">
+                <a:solidFill>
+                  <a:srgbClr val="9CDCFE"/>
+                </a:solidFill>
+                <a:effectLst/>
+                <a:latin typeface="Consolas" panose="020B0609020204030204" pitchFamily="49" charset="0"/>
+              </a:rPr>
+              <a:t>document</a:t>
+            </a:r>
+            <a:r>
+              <a:rPr lang="en-US" altLang="zh-TW" b="0" dirty="0" err="1">
+                <a:solidFill>
+                  <a:srgbClr val="D4D4D4"/>
+                </a:solidFill>
+                <a:effectLst/>
+                <a:latin typeface="Consolas" panose="020B0609020204030204" pitchFamily="49" charset="0"/>
+              </a:rPr>
+              <a:t>.</a:t>
+            </a:r>
+            <a:r>
+              <a:rPr lang="en-US" altLang="zh-TW" b="0" dirty="0" err="1">
+                <a:solidFill>
+                  <a:srgbClr val="DCDCAA"/>
+                </a:solidFill>
+                <a:effectLst/>
+                <a:latin typeface="Consolas" panose="020B0609020204030204" pitchFamily="49" charset="0"/>
+              </a:rPr>
+              <a:t>getElementById</a:t>
+            </a:r>
+            <a:r>
+              <a:rPr lang="en-US" altLang="zh-TW" b="0" dirty="0">
+                <a:solidFill>
+                  <a:srgbClr val="D4D4D4"/>
+                </a:solidFill>
+                <a:effectLst/>
+                <a:latin typeface="Consolas" panose="020B0609020204030204" pitchFamily="49" charset="0"/>
+              </a:rPr>
+              <a:t>(</a:t>
+            </a:r>
+            <a:r>
+              <a:rPr lang="en-US" altLang="zh-TW" b="0" dirty="0">
+                <a:solidFill>
+                  <a:srgbClr val="CE9178"/>
+                </a:solidFill>
+                <a:effectLst/>
+                <a:latin typeface="Consolas" panose="020B0609020204030204" pitchFamily="49" charset="0"/>
+              </a:rPr>
+              <a:t>"text"</a:t>
+            </a:r>
+            <a:r>
+              <a:rPr lang="en-US" altLang="zh-TW" b="0" dirty="0">
+                <a:solidFill>
+                  <a:srgbClr val="D4D4D4"/>
+                </a:solidFill>
+                <a:effectLst/>
+                <a:latin typeface="Consolas" panose="020B0609020204030204" pitchFamily="49" charset="0"/>
+              </a:rPr>
+              <a:t>).</a:t>
+            </a:r>
+            <a:r>
+              <a:rPr lang="en-US" altLang="zh-TW" b="0" dirty="0">
+                <a:solidFill>
+                  <a:srgbClr val="9CDCFE"/>
+                </a:solidFill>
+                <a:effectLst/>
+                <a:latin typeface="Consolas" panose="020B0609020204030204" pitchFamily="49" charset="0"/>
+              </a:rPr>
+              <a:t>value</a:t>
+            </a:r>
+            <a:r>
+              <a:rPr lang="en-US" altLang="zh-TW" b="0" dirty="0">
+                <a:solidFill>
+                  <a:srgbClr val="D4D4D4"/>
+                </a:solidFill>
+                <a:effectLst/>
+                <a:latin typeface="Consolas" panose="020B0609020204030204" pitchFamily="49" charset="0"/>
+              </a:rPr>
+              <a:t> = </a:t>
+            </a:r>
+            <a:r>
+              <a:rPr lang="en-US" altLang="zh-TW" b="0" dirty="0">
+                <a:solidFill>
+                  <a:srgbClr val="CE9178"/>
+                </a:solidFill>
+                <a:effectLst/>
+                <a:latin typeface="Consolas" panose="020B0609020204030204" pitchFamily="49" charset="0"/>
+              </a:rPr>
+              <a:t>" "</a:t>
+            </a:r>
+            <a:r>
+              <a:rPr lang="en-US" altLang="zh-TW" b="0" dirty="0">
+                <a:solidFill>
+                  <a:srgbClr val="D4D4D4"/>
+                </a:solidFill>
+                <a:effectLst/>
+                <a:latin typeface="Consolas" panose="020B0609020204030204" pitchFamily="49" charset="0"/>
+              </a:rPr>
+              <a:t>;</a:t>
+            </a:r>
+          </a:p>
+          <a:p>
+            <a:r>
+              <a:rPr lang="en-US" altLang="zh-TW" b="0" dirty="0">
+                <a:solidFill>
+                  <a:srgbClr val="D4D4D4"/>
+                </a:solidFill>
+                <a:effectLst/>
+                <a:latin typeface="Consolas" panose="020B0609020204030204" pitchFamily="49" charset="0"/>
+              </a:rPr>
+              <a:t>    </a:t>
+            </a:r>
+            <a:r>
+              <a:rPr lang="en-US" altLang="zh-TW" b="0" dirty="0">
+                <a:solidFill>
+                  <a:srgbClr val="6A9955"/>
+                </a:solidFill>
+                <a:effectLst/>
+                <a:latin typeface="Consolas" panose="020B0609020204030204" pitchFamily="49" charset="0"/>
+              </a:rPr>
+              <a:t>// alert(</a:t>
+            </a:r>
+            <a:r>
+              <a:rPr lang="en-US" altLang="zh-TW" b="0" dirty="0" err="1">
+                <a:solidFill>
+                  <a:srgbClr val="6A9955"/>
+                </a:solidFill>
+                <a:effectLst/>
+                <a:latin typeface="Consolas" panose="020B0609020204030204" pitchFamily="49" charset="0"/>
+              </a:rPr>
+              <a:t>ms</a:t>
+            </a:r>
+            <a:r>
+              <a:rPr lang="en-US" altLang="zh-TW" b="0" dirty="0">
+                <a:solidFill>
+                  <a:srgbClr val="6A9955"/>
+                </a:solidFill>
+                <a:effectLst/>
+                <a:latin typeface="Consolas" panose="020B0609020204030204" pitchFamily="49" charset="0"/>
+              </a:rPr>
+              <a:t>)</a:t>
+            </a:r>
+            <a:endParaRPr lang="en-US" altLang="zh-TW" b="0" dirty="0">
+              <a:solidFill>
+                <a:srgbClr val="D4D4D4"/>
+              </a:solidFill>
+              <a:effectLst/>
+              <a:latin typeface="Consolas" panose="020B0609020204030204" pitchFamily="49" charset="0"/>
+            </a:endParaRPr>
+          </a:p>
+          <a:p>
+            <a:r>
+              <a:rPr lang="en-US" altLang="zh-TW" b="0" dirty="0">
+                <a:solidFill>
+                  <a:srgbClr val="D4D4D4"/>
+                </a:solidFill>
+                <a:effectLst/>
+                <a:latin typeface="Consolas" panose="020B0609020204030204" pitchFamily="49" charset="0"/>
+              </a:rPr>
               <a:t>}</a:t>
             </a:r>
+          </a:p>
+        </p:txBody>
+      </p:sp>
+      <p:sp>
+        <p:nvSpPr>
+          <p:cNvPr id="8" name="文字方塊 7">
+            <a:extLst>
+              <a:ext uri="{FF2B5EF4-FFF2-40B4-BE49-F238E27FC236}">
+                <a16:creationId xmlns:a16="http://schemas.microsoft.com/office/drawing/2014/main" id="{FC34973E-045F-186E-A7AA-4CEC74031640}"/>
+              </a:ext>
+            </a:extLst>
+          </p:cNvPr>
+          <p:cNvSpPr txBox="1"/>
+          <p:nvPr/>
+        </p:nvSpPr>
+        <p:spPr>
+          <a:xfrm>
+            <a:off x="7479094" y="1562093"/>
+            <a:ext cx="1569660" cy="369332"/>
+          </a:xfrm>
+          <a:prstGeom prst="rect">
+            <a:avLst/>
+          </a:prstGeom>
+          <a:noFill/>
+        </p:spPr>
+        <p:txBody>
+          <a:bodyPr wrap="none" rtlCol="0">
+            <a:spAutoFit/>
+          </a:bodyPr>
+          <a:lstStyle/>
+          <a:p>
+            <a:r>
+              <a:rPr lang="zh-TW" altLang="en-US" dirty="0">
+                <a:solidFill>
+                  <a:schemeClr val="bg1"/>
+                </a:solidFill>
+              </a:rPr>
+              <a:t>取得輸入內容</a:t>
+            </a:r>
+            <a:endParaRPr lang="en-US" altLang="zh-TW" dirty="0">
+              <a:solidFill>
+                <a:schemeClr val="bg1"/>
+              </a:solidFill>
+            </a:endParaRPr>
+          </a:p>
+        </p:txBody>
+      </p:sp>
+      <p:sp>
+        <p:nvSpPr>
+          <p:cNvPr id="10" name="文字方塊 9">
+            <a:extLst>
+              <a:ext uri="{FF2B5EF4-FFF2-40B4-BE49-F238E27FC236}">
+                <a16:creationId xmlns:a16="http://schemas.microsoft.com/office/drawing/2014/main" id="{4F764303-E5A5-CE16-20F8-77AD419F7452}"/>
+              </a:ext>
+            </a:extLst>
+          </p:cNvPr>
+          <p:cNvSpPr txBox="1"/>
+          <p:nvPr/>
+        </p:nvSpPr>
+        <p:spPr>
+          <a:xfrm>
+            <a:off x="7479094" y="2361159"/>
+            <a:ext cx="1675459" cy="369332"/>
+          </a:xfrm>
+          <a:prstGeom prst="rect">
+            <a:avLst/>
+          </a:prstGeom>
+          <a:noFill/>
+        </p:spPr>
+        <p:txBody>
+          <a:bodyPr wrap="none" rtlCol="0">
+            <a:spAutoFit/>
+          </a:bodyPr>
+          <a:lstStyle/>
+          <a:p>
+            <a:r>
+              <a:rPr lang="zh-TW" altLang="en-US" dirty="0">
+                <a:solidFill>
+                  <a:schemeClr val="bg1"/>
+                </a:solidFill>
+              </a:rPr>
+              <a:t>新增一格</a:t>
+            </a:r>
+            <a:r>
+              <a:rPr lang="en-US" altLang="zh-TW" dirty="0">
+                <a:solidFill>
+                  <a:schemeClr val="bg1"/>
+                </a:solidFill>
+              </a:rPr>
+              <a:t>li</a:t>
+            </a:r>
+            <a:r>
+              <a:rPr lang="zh-TW" altLang="en-US" dirty="0">
+                <a:solidFill>
+                  <a:schemeClr val="bg1"/>
+                </a:solidFill>
+              </a:rPr>
+              <a:t>標籤</a:t>
+            </a:r>
+            <a:endParaRPr lang="en-US" altLang="zh-TW" dirty="0">
+              <a:solidFill>
+                <a:schemeClr val="bg1"/>
+              </a:solidFill>
+            </a:endParaRPr>
+          </a:p>
+        </p:txBody>
+      </p:sp>
+      <p:sp>
+        <p:nvSpPr>
+          <p:cNvPr id="11" name="文字方塊 10">
+            <a:extLst>
+              <a:ext uri="{FF2B5EF4-FFF2-40B4-BE49-F238E27FC236}">
+                <a16:creationId xmlns:a16="http://schemas.microsoft.com/office/drawing/2014/main" id="{59CFBAAC-0D61-28E4-5755-21CC1A3E185A}"/>
+              </a:ext>
+            </a:extLst>
+          </p:cNvPr>
+          <p:cNvSpPr txBox="1"/>
+          <p:nvPr/>
+        </p:nvSpPr>
+        <p:spPr>
+          <a:xfrm>
+            <a:off x="7479094" y="2838947"/>
+            <a:ext cx="2137124" cy="369332"/>
+          </a:xfrm>
+          <a:prstGeom prst="rect">
+            <a:avLst/>
+          </a:prstGeom>
+          <a:noFill/>
+        </p:spPr>
+        <p:txBody>
+          <a:bodyPr wrap="none" rtlCol="0">
+            <a:spAutoFit/>
+          </a:bodyPr>
+          <a:lstStyle/>
+          <a:p>
+            <a:r>
+              <a:rPr lang="zh-TW" altLang="en-US" dirty="0">
+                <a:solidFill>
+                  <a:schemeClr val="bg1"/>
+                </a:solidFill>
+              </a:rPr>
+              <a:t>輸入內容放進新的</a:t>
+            </a:r>
+            <a:r>
+              <a:rPr lang="en-US" altLang="zh-TW" dirty="0">
+                <a:solidFill>
+                  <a:schemeClr val="bg1"/>
+                </a:solidFill>
+              </a:rPr>
+              <a:t>li</a:t>
+            </a:r>
+          </a:p>
+        </p:txBody>
+      </p:sp>
+      <p:sp>
+        <p:nvSpPr>
+          <p:cNvPr id="12" name="文字方塊 11">
+            <a:extLst>
+              <a:ext uri="{FF2B5EF4-FFF2-40B4-BE49-F238E27FC236}">
+                <a16:creationId xmlns:a16="http://schemas.microsoft.com/office/drawing/2014/main" id="{EC0C7893-897B-089E-C67F-511E47F1811A}"/>
+              </a:ext>
+            </a:extLst>
+          </p:cNvPr>
+          <p:cNvSpPr txBox="1"/>
+          <p:nvPr/>
+        </p:nvSpPr>
+        <p:spPr>
+          <a:xfrm>
+            <a:off x="7479094" y="3437299"/>
+            <a:ext cx="1959191" cy="369332"/>
+          </a:xfrm>
+          <a:prstGeom prst="rect">
+            <a:avLst/>
+          </a:prstGeom>
+          <a:noFill/>
+        </p:spPr>
+        <p:txBody>
+          <a:bodyPr wrap="none" rtlCol="0">
+            <a:spAutoFit/>
+          </a:bodyPr>
+          <a:lstStyle/>
+          <a:p>
+            <a:r>
+              <a:rPr lang="zh-TW" altLang="en-US" dirty="0">
+                <a:solidFill>
+                  <a:schemeClr val="bg1"/>
+                </a:solidFill>
+              </a:rPr>
+              <a:t>新的</a:t>
+            </a:r>
+            <a:r>
+              <a:rPr lang="en-US" altLang="zh-TW" dirty="0">
+                <a:solidFill>
+                  <a:schemeClr val="bg1"/>
+                </a:solidFill>
+              </a:rPr>
+              <a:t>li</a:t>
+            </a:r>
+            <a:r>
+              <a:rPr lang="zh-TW" altLang="en-US" dirty="0">
+                <a:solidFill>
+                  <a:schemeClr val="bg1"/>
+                </a:solidFill>
+              </a:rPr>
+              <a:t>放進 留言板</a:t>
+            </a:r>
+            <a:endParaRPr lang="en-US" altLang="zh-TW" dirty="0">
+              <a:solidFill>
+                <a:schemeClr val="bg1"/>
+              </a:solidFill>
+            </a:endParaRPr>
+          </a:p>
+        </p:txBody>
+      </p:sp>
+      <p:sp>
+        <p:nvSpPr>
+          <p:cNvPr id="13" name="文字方塊 12">
+            <a:extLst>
+              <a:ext uri="{FF2B5EF4-FFF2-40B4-BE49-F238E27FC236}">
+                <a16:creationId xmlns:a16="http://schemas.microsoft.com/office/drawing/2014/main" id="{A7EDF051-90B9-0AEA-AD04-1E6BF9BB6ED3}"/>
+              </a:ext>
+            </a:extLst>
+          </p:cNvPr>
+          <p:cNvSpPr txBox="1"/>
+          <p:nvPr/>
+        </p:nvSpPr>
+        <p:spPr>
+          <a:xfrm>
+            <a:off x="7479094" y="4044327"/>
+            <a:ext cx="1338828" cy="369332"/>
+          </a:xfrm>
+          <a:prstGeom prst="rect">
+            <a:avLst/>
+          </a:prstGeom>
+          <a:noFill/>
+        </p:spPr>
+        <p:txBody>
+          <a:bodyPr wrap="none" rtlCol="0">
+            <a:spAutoFit/>
+          </a:bodyPr>
+          <a:lstStyle/>
+          <a:p>
+            <a:r>
+              <a:rPr lang="zh-TW" altLang="en-US" dirty="0">
+                <a:solidFill>
+                  <a:schemeClr val="bg1"/>
+                </a:solidFill>
+              </a:rPr>
+              <a:t>清空輸入欄</a:t>
+            </a:r>
+            <a:endParaRPr lang="en-US" altLang="zh-TW" dirty="0">
+              <a:solidFill>
+                <a:schemeClr val="bg1"/>
+              </a:solidFill>
+            </a:endParaRPr>
           </a:p>
         </p:txBody>
       </p:sp>
@@ -11405,4 +14233,299 @@
     </a:ext>
   </a:extLst>
 </a:theme>
+</file>
+
+<file path=ppt/theme/theme2.xml><?xml version="1.0" encoding="utf-8"?>
+<a:theme xmlns:a="http://schemas.openxmlformats.org/drawingml/2006/main" name="Office 佈景主題">
+  <a:themeElements>
+    <a:clrScheme name="Office">
+      <a:dk1>
+        <a:sysClr val="windowText" lastClr="000000"/>
+      </a:dk1>
+      <a:lt1>
+        <a:sysClr val="window" lastClr="FFFFFF"/>
+      </a:lt1>
+      <a:dk2>
+        <a:srgbClr val="44546A"/>
+      </a:dk2>
+      <a:lt2>
+        <a:srgbClr val="E7E6E6"/>
+      </a:lt2>
+      <a:accent1>
+        <a:srgbClr val="4472C4"/>
+      </a:accent1>
+      <a:accent2>
+        <a:srgbClr val="ED7D31"/>
+      </a:accent2>
+      <a:accent3>
+        <a:srgbClr val="A5A5A5"/>
+      </a:accent3>
+      <a:accent4>
+        <a:srgbClr val="FFC000"/>
+      </a:accent4>
+      <a:accent5>
+        <a:srgbClr val="5B9BD5"/>
+      </a:accent5>
+      <a:accent6>
+        <a:srgbClr val="70AD47"/>
+      </a:accent6>
+      <a:hlink>
+        <a:srgbClr val="0563C1"/>
+      </a:hlink>
+      <a:folHlink>
+        <a:srgbClr val="954F72"/>
+      </a:folHlink>
+    </a:clrScheme>
+    <a:fontScheme name="Office">
+      <a:majorFont>
+        <a:latin typeface="Calibri Light" panose="020F0302020204030204"/>
+        <a:ea typeface=""/>
+        <a:cs typeface=""/>
+        <a:font script="Jpan" typeface="游ゴシック Light"/>
+        <a:font script="Hang" typeface="맑은 고딕"/>
+        <a:font script="Hans" typeface="等线 Light"/>
+        <a:font script="Hant" typeface="新細明體"/>
+        <a:font script="Arab" typeface="Times New Roman"/>
+        <a:font script="Hebr" typeface="Times New Roman"/>
+        <a:font script="Thai" typeface="Angsana New"/>
+        <a:font script="Ethi" typeface="Nyala"/>
+        <a:font script="Beng" typeface="Vrinda"/>
+        <a:font script="Gujr" typeface="Shruti"/>
+        <a:font script="Khmr" typeface="MoolBoran"/>
+        <a:font script="Knda" typeface="Tunga"/>
+        <a:font script="Guru" typeface="Raavi"/>
+        <a:font script="Cans" typeface="Euphemia"/>
+        <a:font script="Cher" typeface="Plantagenet Cherokee"/>
+        <a:font script="Yiii" typeface="Microsoft Yi Baiti"/>
+        <a:font script="Tibt" typeface="Microsoft Himalaya"/>
+        <a:font script="Thaa" typeface="MV Boli"/>
+        <a:font script="Deva" typeface="Mangal"/>
+        <a:font script="Telu" typeface="Gautami"/>
+        <a:font script="Taml" typeface="Latha"/>
+        <a:font script="Syrc" typeface="Estrangelo Edessa"/>
+        <a:font script="Orya" typeface="Kalinga"/>
+        <a:font script="Mlym" typeface="Kartika"/>
+        <a:font script="Laoo" typeface="DokChampa"/>
+        <a:font script="Sinh" typeface="Iskoola Pota"/>
+        <a:font script="Mong" typeface="Mongolian Baiti"/>
+        <a:font script="Viet" typeface="Times New Roman"/>
+        <a:font script="Uigh" typeface="Microsoft Uighur"/>
+        <a:font script="Geor" typeface="Sylfaen"/>
+        <a:font script="Armn" typeface="Arial"/>
+        <a:font script="Bugi" typeface="Leelawadee UI"/>
+        <a:font script="Bopo" typeface="Microsoft JhengHei"/>
+        <a:font script="Java" typeface="Javanese Text"/>
+        <a:font script="Lisu" typeface="Segoe UI"/>
+        <a:font script="Mymr" typeface="Myanmar Text"/>
+        <a:font script="Nkoo" typeface="Ebrima"/>
+        <a:font script="Olck" typeface="Nirmala UI"/>
+        <a:font script="Osma" typeface="Ebrima"/>
+        <a:font script="Phag" typeface="Phagspa"/>
+        <a:font script="Syrn" typeface="Estrangelo Edessa"/>
+        <a:font script="Syrj" typeface="Estrangelo Edessa"/>
+        <a:font script="Syre" typeface="Estrangelo Edessa"/>
+        <a:font script="Sora" typeface="Nirmala UI"/>
+        <a:font script="Tale" typeface="Microsoft Tai Le"/>
+        <a:font script="Talu" typeface="Microsoft New Tai Lue"/>
+        <a:font script="Tfng" typeface="Ebrima"/>
+      </a:majorFont>
+      <a:minorFont>
+        <a:latin typeface="Calibri" panose="020F0502020204030204"/>
+        <a:ea typeface=""/>
+        <a:cs typeface=""/>
+        <a:font script="Jpan" typeface="游ゴシック"/>
+        <a:font script="Hang" typeface="맑은 고딕"/>
+        <a:font script="Hans" typeface="等线"/>
+        <a:font script="Hant" typeface="新細明體"/>
+        <a:font script="Arab" typeface="Arial"/>
+        <a:font script="Hebr" typeface="Arial"/>
+        <a:font script="Thai" typeface="Cordia New"/>
+        <a:font script="Ethi" typeface="Nyala"/>
+        <a:font script="Beng" typeface="Vrinda"/>
+        <a:font script="Gujr" typeface="Shruti"/>
+        <a:font script="Khmr" typeface="DaunPenh"/>
+        <a:font script="Knda" typeface="Tunga"/>
+        <a:font script="Guru" typeface="Raavi"/>
+        <a:font script="Cans" typeface="Euphemia"/>
+        <a:font script="Cher" typeface="Plantagenet Cherokee"/>
+        <a:font script="Yiii" typeface="Microsoft Yi Baiti"/>
+        <a:font script="Tibt" typeface="Microsoft Himalaya"/>
+        <a:font script="Thaa" typeface="MV Boli"/>
+        <a:font script="Deva" typeface="Mangal"/>
+        <a:font script="Telu" typeface="Gautami"/>
+        <a:font script="Taml" typeface="Latha"/>
+        <a:font script="Syrc" typeface="Estrangelo Edessa"/>
+        <a:font script="Orya" typeface="Kalinga"/>
+        <a:font script="Mlym" typeface="Kartika"/>
+        <a:font script="Laoo" typeface="DokChampa"/>
+        <a:font script="Sinh" typeface="Iskoola Pota"/>
+        <a:font script="Mong" typeface="Mongolian Baiti"/>
+        <a:font script="Viet" typeface="Arial"/>
+        <a:font script="Uigh" typeface="Microsoft Uighur"/>
+        <a:font script="Geor" typeface="Sylfaen"/>
+        <a:font script="Armn" typeface="Arial"/>
+        <a:font script="Bugi" typeface="Leelawadee UI"/>
+        <a:font script="Bopo" typeface="Microsoft JhengHei"/>
+        <a:font script="Java" typeface="Javanese Text"/>
+        <a:font script="Lisu" typeface="Segoe UI"/>
+        <a:font script="Mymr" typeface="Myanmar Text"/>
+        <a:font script="Nkoo" typeface="Ebrima"/>
+        <a:font script="Olck" typeface="Nirmala UI"/>
+        <a:font script="Osma" typeface="Ebrima"/>
+        <a:font script="Phag" typeface="Phagspa"/>
+        <a:font script="Syrn" typeface="Estrangelo Edessa"/>
+        <a:font script="Syrj" typeface="Estrangelo Edessa"/>
+        <a:font script="Syre" typeface="Estrangelo Edessa"/>
+        <a:font script="Sora" typeface="Nirmala UI"/>
+        <a:font script="Tale" typeface="Microsoft Tai Le"/>
+        <a:font script="Talu" typeface="Microsoft New Tai Lue"/>
+        <a:font script="Tfng" typeface="Ebrima"/>
+      </a:minorFont>
+    </a:fontScheme>
+    <a:fmtScheme name="Office">
+      <a:fillStyleLst>
+        <a:solidFill>
+          <a:schemeClr val="phClr"/>
+        </a:solidFill>
+        <a:gradFill rotWithShape="1">
+          <a:gsLst>
+            <a:gs pos="0">
+              <a:schemeClr val="phClr">
+                <a:lumMod val="110000"/>
+                <a:satMod val="105000"/>
+                <a:tint val="67000"/>
+              </a:schemeClr>
+            </a:gs>
+            <a:gs pos="50000">
+              <a:schemeClr val="phClr">
+                <a:lumMod val="105000"/>
+                <a:satMod val="103000"/>
+                <a:tint val="73000"/>
+              </a:schemeClr>
+            </a:gs>
+            <a:gs pos="100000">
+              <a:schemeClr val="phClr">
+                <a:lumMod val="105000"/>
+                <a:satMod val="109000"/>
+                <a:tint val="81000"/>
+              </a:schemeClr>
+            </a:gs>
+          </a:gsLst>
+          <a:lin ang="5400000" scaled="0"/>
+        </a:gradFill>
+        <a:gradFill rotWithShape="1">
+          <a:gsLst>
+            <a:gs pos="0">
+              <a:schemeClr val="phClr">
+                <a:satMod val="103000"/>
+                <a:lumMod val="102000"/>
+                <a:tint val="94000"/>
+              </a:schemeClr>
+            </a:gs>
+            <a:gs pos="50000">
+              <a:schemeClr val="phClr">
+                <a:satMod val="110000"/>
+                <a:lumMod val="100000"/>
+                <a:shade val="100000"/>
+              </a:schemeClr>
+            </a:gs>
+            <a:gs pos="100000">
+              <a:schemeClr val="phClr">
+                <a:lumMod val="99000"/>
+                <a:satMod val="120000"/>
+                <a:shade val="78000"/>
+              </a:schemeClr>
+            </a:gs>
+          </a:gsLst>
+          <a:lin ang="5400000" scaled="0"/>
+        </a:gradFill>
+      </a:fillStyleLst>
+      <a:lnStyleLst>
+        <a:ln w="6350" cap="flat" cmpd="sng" algn="ctr">
+          <a:solidFill>
+            <a:schemeClr val="phClr"/>
+          </a:solidFill>
+          <a:prstDash val="solid"/>
+          <a:miter lim="800000"/>
+        </a:ln>
+        <a:ln w="12700" cap="flat" cmpd="sng" algn="ctr">
+          <a:solidFill>
+            <a:schemeClr val="phClr"/>
+          </a:solidFill>
+          <a:prstDash val="solid"/>
+          <a:miter lim="800000"/>
+        </a:ln>
+        <a:ln w="19050" cap="flat" cmpd="sng" algn="ctr">
+          <a:solidFill>
+            <a:schemeClr val="phClr"/>
+          </a:solidFill>
+          <a:prstDash val="solid"/>
+          <a:miter lim="800000"/>
+        </a:ln>
+      </a:lnStyleLst>
+      <a:effectStyleLst>
+        <a:effectStyle>
+          <a:effectLst/>
+        </a:effectStyle>
+        <a:effectStyle>
+          <a:effectLst/>
+        </a:effectStyle>
+        <a:effectStyle>
+          <a:effectLst>
+            <a:outerShdw blurRad="57150" dist="19050" dir="5400000" algn="ctr" rotWithShape="0">
+              <a:srgbClr val="000000">
+                <a:alpha val="63000"/>
+              </a:srgbClr>
+            </a:outerShdw>
+          </a:effectLst>
+        </a:effectStyle>
+      </a:effectStyleLst>
+      <a:bgFillStyleLst>
+        <a:solidFill>
+          <a:schemeClr val="phClr"/>
+        </a:solidFill>
+        <a:solidFill>
+          <a:schemeClr val="phClr">
+            <a:tint val="95000"/>
+            <a:satMod val="170000"/>
+          </a:schemeClr>
+        </a:solidFill>
+        <a:gradFill rotWithShape="1">
+          <a:gsLst>
+            <a:gs pos="0">
+              <a:schemeClr val="phClr">
+                <a:tint val="93000"/>
+                <a:satMod val="150000"/>
+                <a:shade val="98000"/>
+                <a:lumMod val="102000"/>
+              </a:schemeClr>
+            </a:gs>
+            <a:gs pos="50000">
+              <a:schemeClr val="phClr">
+                <a:tint val="98000"/>
+                <a:satMod val="130000"/>
+                <a:shade val="90000"/>
+                <a:lumMod val="103000"/>
+              </a:schemeClr>
+            </a:gs>
+            <a:gs pos="100000">
+              <a:schemeClr val="phClr">
+                <a:shade val="63000"/>
+                <a:satMod val="120000"/>
+              </a:schemeClr>
+            </a:gs>
+          </a:gsLst>
+          <a:lin ang="5400000" scaled="0"/>
+        </a:gradFill>
+      </a:bgFillStyleLst>
+    </a:fmtScheme>
+  </a:themeElements>
+  <a:objectDefaults/>
+  <a:extraClrSchemeLst/>
+  <a:extLst>
+    <a:ext uri="{05A4C25C-085E-4340-85A3-A5531E510DB2}">
+      <thm15:themeFamily xmlns:thm15="http://schemas.microsoft.com/office/thememl/2012/main" name="Office Theme" id="{62F939B6-93AF-4DB8-9C6B-D6C7DFDC589F}" vid="{4A3C46E8-61CC-4603-A589-7422A47A8E4A}"/>
+    </a:ext>
+  </a:extLst>
+</a:theme>
 </file>